--- a/Presentation.pptx
+++ b/Presentation.pptx
@@ -6,19 +6,16 @@
   </p:sldMasterIdLst>
   <p:sldIdLst>
     <p:sldId id="256" r:id="rId2"/>
-    <p:sldId id="257" r:id="rId3"/>
-    <p:sldId id="258" r:id="rId4"/>
-    <p:sldId id="259" r:id="rId5"/>
-    <p:sldId id="260" r:id="rId6"/>
-    <p:sldId id="261" r:id="rId7"/>
-    <p:sldId id="262" r:id="rId8"/>
-    <p:sldId id="263" r:id="rId9"/>
-    <p:sldId id="264" r:id="rId10"/>
-    <p:sldId id="265" r:id="rId11"/>
-    <p:sldId id="267" r:id="rId12"/>
-    <p:sldId id="268" r:id="rId13"/>
-    <p:sldId id="269" r:id="rId14"/>
-    <p:sldId id="270" r:id="rId15"/>
+    <p:sldId id="258" r:id="rId3"/>
+    <p:sldId id="262" r:id="rId4"/>
+    <p:sldId id="263" r:id="rId5"/>
+    <p:sldId id="264" r:id="rId6"/>
+    <p:sldId id="265" r:id="rId7"/>
+    <p:sldId id="267" r:id="rId8"/>
+    <p:sldId id="271" r:id="rId9"/>
+    <p:sldId id="268" r:id="rId10"/>
+    <p:sldId id="269" r:id="rId11"/>
+    <p:sldId id="270" r:id="rId12"/>
   </p:sldIdLst>
   <p:sldSz cx="12192000" cy="6858000"/>
   <p:notesSz cx="6858000" cy="9144000"/>
@@ -311,7 +308,7 @@
           <a:p>
             <a:fld id="{8B54F609-DCFB-4ECB-A770-097713E2158E}" type="datetimeFigureOut">
               <a:rPr lang="en-US" smtClean="0"/>
-              <a:t>27-May-22</a:t>
+              <a:t>6/30/2022</a:t>
             </a:fld>
             <a:endParaRPr lang="en-US"/>
           </a:p>
@@ -586,7 +583,7 @@
           <a:p>
             <a:fld id="{8B54F609-DCFB-4ECB-A770-097713E2158E}" type="datetimeFigureOut">
               <a:rPr lang="en-US" smtClean="0"/>
-              <a:t>27-May-22</a:t>
+              <a:t>6/30/2022</a:t>
             </a:fld>
             <a:endParaRPr lang="en-US"/>
           </a:p>
@@ -780,7 +777,7 @@
           <a:p>
             <a:fld id="{8B54F609-DCFB-4ECB-A770-097713E2158E}" type="datetimeFigureOut">
               <a:rPr lang="en-US" smtClean="0"/>
-              <a:t>27-May-22</a:t>
+              <a:t>6/30/2022</a:t>
             </a:fld>
             <a:endParaRPr lang="en-US"/>
           </a:p>
@@ -1053,7 +1050,7 @@
           <a:p>
             <a:fld id="{8B54F609-DCFB-4ECB-A770-097713E2158E}" type="datetimeFigureOut">
               <a:rPr lang="en-US" smtClean="0"/>
-              <a:t>27-May-22</a:t>
+              <a:t>6/30/2022</a:t>
             </a:fld>
             <a:endParaRPr lang="en-US"/>
           </a:p>
@@ -1394,7 +1391,7 @@
           <a:p>
             <a:fld id="{8B54F609-DCFB-4ECB-A770-097713E2158E}" type="datetimeFigureOut">
               <a:rPr lang="en-US" smtClean="0"/>
-              <a:t>27-May-22</a:t>
+              <a:t>6/30/2022</a:t>
             </a:fld>
             <a:endParaRPr lang="en-US"/>
           </a:p>
@@ -2017,7 +2014,7 @@
           <a:p>
             <a:fld id="{8B54F609-DCFB-4ECB-A770-097713E2158E}" type="datetimeFigureOut">
               <a:rPr lang="en-US" smtClean="0"/>
-              <a:t>27-May-22</a:t>
+              <a:t>6/30/2022</a:t>
             </a:fld>
             <a:endParaRPr lang="en-US"/>
           </a:p>
@@ -2877,7 +2874,7 @@
           <a:p>
             <a:fld id="{8B54F609-DCFB-4ECB-A770-097713E2158E}" type="datetimeFigureOut">
               <a:rPr lang="en-US" smtClean="0"/>
-              <a:t>27-May-22</a:t>
+              <a:t>6/30/2022</a:t>
             </a:fld>
             <a:endParaRPr lang="en-US"/>
           </a:p>
@@ -3047,7 +3044,7 @@
           <a:p>
             <a:fld id="{8B54F609-DCFB-4ECB-A770-097713E2158E}" type="datetimeFigureOut">
               <a:rPr lang="en-US" smtClean="0"/>
-              <a:t>27-May-22</a:t>
+              <a:t>6/30/2022</a:t>
             </a:fld>
             <a:endParaRPr lang="en-US"/>
           </a:p>
@@ -3227,7 +3224,7 @@
           <a:p>
             <a:fld id="{8B54F609-DCFB-4ECB-A770-097713E2158E}" type="datetimeFigureOut">
               <a:rPr lang="en-US" smtClean="0"/>
-              <a:t>27-May-22</a:t>
+              <a:t>6/30/2022</a:t>
             </a:fld>
             <a:endParaRPr lang="en-US"/>
           </a:p>
@@ -3397,7 +3394,7 @@
           <a:p>
             <a:fld id="{8B54F609-DCFB-4ECB-A770-097713E2158E}" type="datetimeFigureOut">
               <a:rPr lang="en-US" smtClean="0"/>
-              <a:t>27-May-22</a:t>
+              <a:t>6/30/2022</a:t>
             </a:fld>
             <a:endParaRPr lang="en-US"/>
           </a:p>
@@ -3644,7 +3641,7 @@
           <a:p>
             <a:fld id="{8B54F609-DCFB-4ECB-A770-097713E2158E}" type="datetimeFigureOut">
               <a:rPr lang="en-US" smtClean="0"/>
-              <a:t>27-May-22</a:t>
+              <a:t>6/30/2022</a:t>
             </a:fld>
             <a:endParaRPr lang="en-US"/>
           </a:p>
@@ -3936,7 +3933,7 @@
           <a:p>
             <a:fld id="{8B54F609-DCFB-4ECB-A770-097713E2158E}" type="datetimeFigureOut">
               <a:rPr lang="en-US" smtClean="0"/>
-              <a:t>27-May-22</a:t>
+              <a:t>6/30/2022</a:t>
             </a:fld>
             <a:endParaRPr lang="en-US"/>
           </a:p>
@@ -4380,7 +4377,7 @@
           <a:p>
             <a:fld id="{8B54F609-DCFB-4ECB-A770-097713E2158E}" type="datetimeFigureOut">
               <a:rPr lang="en-US" smtClean="0"/>
-              <a:t>27-May-22</a:t>
+              <a:t>6/30/2022</a:t>
             </a:fld>
             <a:endParaRPr lang="en-US"/>
           </a:p>
@@ -4498,7 +4495,7 @@
           <a:p>
             <a:fld id="{8B54F609-DCFB-4ECB-A770-097713E2158E}" type="datetimeFigureOut">
               <a:rPr lang="en-US" smtClean="0"/>
-              <a:t>27-May-22</a:t>
+              <a:t>6/30/2022</a:t>
             </a:fld>
             <a:endParaRPr lang="en-US"/>
           </a:p>
@@ -4593,7 +4590,7 @@
           <a:p>
             <a:fld id="{8B54F609-DCFB-4ECB-A770-097713E2158E}" type="datetimeFigureOut">
               <a:rPr lang="en-US" smtClean="0"/>
-              <a:t>27-May-22</a:t>
+              <a:t>6/30/2022</a:t>
             </a:fld>
             <a:endParaRPr lang="en-US"/>
           </a:p>
@@ -4872,7 +4869,7 @@
           <a:p>
             <a:fld id="{8B54F609-DCFB-4ECB-A770-097713E2158E}" type="datetimeFigureOut">
               <a:rPr lang="en-US" smtClean="0"/>
-              <a:t>27-May-22</a:t>
+              <a:t>6/30/2022</a:t>
             </a:fld>
             <a:endParaRPr lang="en-US"/>
           </a:p>
@@ -5147,7 +5144,7 @@
           <a:p>
             <a:fld id="{8B54F609-DCFB-4ECB-A770-097713E2158E}" type="datetimeFigureOut">
               <a:rPr lang="en-US" smtClean="0"/>
-              <a:t>27-May-22</a:t>
+              <a:t>6/30/2022</a:t>
             </a:fld>
             <a:endParaRPr lang="en-US"/>
           </a:p>
@@ -5576,7 +5573,7 @@
           <a:p>
             <a:fld id="{8B54F609-DCFB-4ECB-A770-097713E2158E}" type="datetimeFigureOut">
               <a:rPr lang="en-US" smtClean="0"/>
-              <a:t>27-May-22</a:t>
+              <a:t>6/30/2022</a:t>
             </a:fld>
             <a:endParaRPr lang="en-US"/>
           </a:p>
@@ -6209,7 +6206,7 @@
           <p:cNvPr id="2" name="Title 1">
             <a:extLst>
               <a:ext uri="{FF2B5EF4-FFF2-40B4-BE49-F238E27FC236}">
-                <a16:creationId xmlns:a16="http://schemas.microsoft.com/office/drawing/2014/main" id="{E37F6830-1861-44AB-5D10-7E322613056C}"/>
+                <a16:creationId xmlns:a16="http://schemas.microsoft.com/office/drawing/2014/main" id="{0FC8D5C7-0022-9AAC-2047-3E962F11E86B}"/>
               </a:ext>
             </a:extLst>
           </p:cNvPr>
@@ -6227,7 +6224,7 @@
           <a:p>
             <a:r>
               <a:rPr lang="en-US" dirty="0"/>
-              <a:t>Dataset Sizes &amp; Models</a:t>
+              <a:t>Conclusion &amp; Further Development</a:t>
             </a:r>
           </a:p>
         </p:txBody>
@@ -6237,7 +6234,7 @@
           <p:cNvPr id="3" name="Content Placeholder 2">
             <a:extLst>
               <a:ext uri="{FF2B5EF4-FFF2-40B4-BE49-F238E27FC236}">
-                <a16:creationId xmlns:a16="http://schemas.microsoft.com/office/drawing/2014/main" id="{077A79A3-F5A5-98EE-8F96-455FDDF6FEE3}"/>
+                <a16:creationId xmlns:a16="http://schemas.microsoft.com/office/drawing/2014/main" id="{D1FD1E46-962E-9B07-E21C-BF3CC4F2F315}"/>
               </a:ext>
             </a:extLst>
           </p:cNvPr>
@@ -6248,10 +6245,92 @@
             <p:ph idx="1"/>
           </p:nvPr>
         </p:nvSpPr>
+        <p:spPr/>
+        <p:txBody>
+          <a:bodyPr/>
+          <a:lstStyle/>
+          <a:p>
+            <a:r>
+              <a:rPr lang="en-US" dirty="0"/>
+              <a:t>Recurrent Graph Neural Networks predict accurately average speed in sensors.</a:t>
+            </a:r>
+          </a:p>
+          <a:p>
+            <a:r>
+              <a:rPr lang="en-US" dirty="0"/>
+              <a:t>Prediction can be used in route planning to lower traffic congestion.</a:t>
+            </a:r>
+          </a:p>
+          <a:p>
+            <a:r>
+              <a:rPr lang="en-US" dirty="0"/>
+              <a:t>Different sizes and map generations impact results.</a:t>
+            </a:r>
+          </a:p>
+          <a:p>
+            <a:r>
+              <a:rPr lang="en-US" dirty="0"/>
+              <a:t>Other types of map generation can be experimented on.</a:t>
+            </a:r>
+          </a:p>
+          <a:p>
+            <a:r>
+              <a:rPr lang="en-US" dirty="0"/>
+              <a:t>Different cities and models can be experimented on</a:t>
+            </a:r>
+          </a:p>
+        </p:txBody>
+      </p:sp>
+    </p:spTree>
+    <p:extLst>
+      <p:ext uri="{BB962C8B-B14F-4D97-AF65-F5344CB8AC3E}">
+        <p14:creationId xmlns:p14="http://schemas.microsoft.com/office/powerpoint/2010/main" val="1707743646"/>
+      </p:ext>
+    </p:extLst>
+  </p:cSld>
+  <p:clrMapOvr>
+    <a:masterClrMapping/>
+  </p:clrMapOvr>
+</p:sld>
+</file>
+
+<file path=ppt/slides/slide11.xml><?xml version="1.0" encoding="utf-8"?>
+<p:sld xmlns:a="http://schemas.openxmlformats.org/drawingml/2006/main" xmlns:r="http://schemas.openxmlformats.org/officeDocument/2006/relationships" xmlns:p="http://schemas.openxmlformats.org/presentationml/2006/main">
+  <p:cSld>
+    <p:spTree>
+      <p:nvGrpSpPr>
+        <p:cNvPr id="1" name=""/>
+        <p:cNvGrpSpPr/>
+        <p:nvPr/>
+      </p:nvGrpSpPr>
+      <p:grpSpPr>
+        <a:xfrm>
+          <a:off x="0" y="0"/>
+          <a:ext cx="0" cy="0"/>
+          <a:chOff x="0" y="0"/>
+          <a:chExt cx="0" cy="0"/>
+        </a:xfrm>
+      </p:grpSpPr>
+      <p:sp>
+        <p:nvSpPr>
+          <p:cNvPr id="2" name="Title 1">
+            <a:extLst>
+              <a:ext uri="{FF2B5EF4-FFF2-40B4-BE49-F238E27FC236}">
+                <a16:creationId xmlns:a16="http://schemas.microsoft.com/office/drawing/2014/main" id="{03145880-71FD-66C7-0835-F379905D80B4}"/>
+              </a:ext>
+            </a:extLst>
+          </p:cNvPr>
+          <p:cNvSpPr>
+            <a:spLocks noGrp="1"/>
+          </p:cNvSpPr>
+          <p:nvPr>
+            <p:ph type="ctrTitle"/>
+          </p:nvPr>
+        </p:nvSpPr>
         <p:spPr>
           <a:xfrm>
-            <a:off x="1103313" y="2052918"/>
-            <a:ext cx="4302406" cy="4195481"/>
+            <a:off x="1154955" y="1447801"/>
+            <a:ext cx="9617820" cy="2276474"/>
           </a:xfrm>
         </p:spPr>
         <p:txBody>
@@ -6260,72 +6339,139 @@
           <a:p>
             <a:r>
               <a:rPr lang="en-US" dirty="0"/>
-              <a:t>Four Dataset Sizes:</a:t>
-            </a:r>
-          </a:p>
-          <a:p>
-            <a:pPr lvl="1"/>
-            <a:r>
-              <a:rPr lang="en-US" dirty="0"/>
-              <a:t>Manual</a:t>
-            </a:r>
-          </a:p>
-          <a:p>
-            <a:pPr lvl="1"/>
-            <a:r>
-              <a:rPr lang="en-US" dirty="0"/>
-              <a:t>Tiny</a:t>
-            </a:r>
-          </a:p>
-          <a:p>
-            <a:pPr lvl="1"/>
-            <a:r>
-              <a:rPr lang="en-US" dirty="0"/>
-              <a:t>Small</a:t>
-            </a:r>
-          </a:p>
-          <a:p>
-            <a:pPr lvl="1"/>
-            <a:r>
-              <a:rPr lang="en-US" dirty="0"/>
-              <a:t>Medium</a:t>
-            </a:r>
-          </a:p>
-          <a:p>
-            <a:r>
-              <a:rPr lang="en-US" dirty="0"/>
-              <a:t>Three Neural network models:</a:t>
-            </a:r>
-          </a:p>
-          <a:p>
-            <a:pPr lvl="1"/>
-            <a:r>
-              <a:rPr lang="en-US" dirty="0"/>
-              <a:t>STCONV</a:t>
-            </a:r>
-          </a:p>
-          <a:p>
-            <a:pPr lvl="1"/>
-            <a:r>
-              <a:rPr lang="en-US" dirty="0"/>
-              <a:t>GCLSTM</a:t>
-            </a:r>
-          </a:p>
-          <a:p>
-            <a:pPr lvl="1"/>
-            <a:r>
-              <a:rPr lang="en-US" dirty="0"/>
-              <a:t>DCRNN</a:t>
-            </a:r>
-          </a:p>
-        </p:txBody>
-      </p:sp>
-      <p:sp>
-        <p:nvSpPr>
-          <p:cNvPr id="6" name="Content Placeholder 2">
+              <a:t>Questions &amp; Answers.</a:t>
+            </a:r>
+          </a:p>
+        </p:txBody>
+      </p:sp>
+    </p:spTree>
+    <p:extLst>
+      <p:ext uri="{BB962C8B-B14F-4D97-AF65-F5344CB8AC3E}">
+        <p14:creationId xmlns:p14="http://schemas.microsoft.com/office/powerpoint/2010/main" val="539253253"/>
+      </p:ext>
+    </p:extLst>
+  </p:cSld>
+  <p:clrMapOvr>
+    <a:masterClrMapping/>
+  </p:clrMapOvr>
+</p:sld>
+</file>
+
+<file path=ppt/slides/slide2.xml><?xml version="1.0" encoding="utf-8"?>
+<p:sld xmlns:a="http://schemas.openxmlformats.org/drawingml/2006/main" xmlns:r="http://schemas.openxmlformats.org/officeDocument/2006/relationships" xmlns:p="http://schemas.openxmlformats.org/presentationml/2006/main">
+  <p:cSld>
+    <p:spTree>
+      <p:nvGrpSpPr>
+        <p:cNvPr id="1" name=""/>
+        <p:cNvGrpSpPr/>
+        <p:nvPr/>
+      </p:nvGrpSpPr>
+      <p:grpSpPr>
+        <a:xfrm>
+          <a:off x="0" y="0"/>
+          <a:ext cx="0" cy="0"/>
+          <a:chOff x="0" y="0"/>
+          <a:chExt cx="0" cy="0"/>
+        </a:xfrm>
+      </p:grpSpPr>
+      <p:sp>
+        <p:nvSpPr>
+          <p:cNvPr id="2" name="Title 1">
             <a:extLst>
               <a:ext uri="{FF2B5EF4-FFF2-40B4-BE49-F238E27FC236}">
-                <a16:creationId xmlns:a16="http://schemas.microsoft.com/office/drawing/2014/main" id="{C16076AA-05C5-9333-79A5-6C29119BF68B}"/>
+                <a16:creationId xmlns:a16="http://schemas.microsoft.com/office/drawing/2014/main" id="{C0234AED-5C8E-16A6-7EED-D1BC632B461C}"/>
+              </a:ext>
+            </a:extLst>
+          </p:cNvPr>
+          <p:cNvSpPr>
+            <a:spLocks noGrp="1"/>
+          </p:cNvSpPr>
+          <p:nvPr>
+            <p:ph type="title"/>
+          </p:nvPr>
+        </p:nvSpPr>
+        <p:spPr>
+          <a:xfrm>
+            <a:off x="582103" y="464014"/>
+            <a:ext cx="9404723" cy="1400530"/>
+          </a:xfrm>
+        </p:spPr>
+        <p:txBody>
+          <a:bodyPr/>
+          <a:lstStyle/>
+          <a:p>
+            <a:r>
+              <a:rPr lang="en-US" dirty="0"/>
+              <a:t>Problem</a:t>
+            </a:r>
+          </a:p>
+        </p:txBody>
+      </p:sp>
+      <p:sp>
+        <p:nvSpPr>
+          <p:cNvPr id="3" name="Content Placeholder 2">
+            <a:extLst>
+              <a:ext uri="{FF2B5EF4-FFF2-40B4-BE49-F238E27FC236}">
+                <a16:creationId xmlns:a16="http://schemas.microsoft.com/office/drawing/2014/main" id="{817819F9-6BF9-1B01-34B7-CAE427534067}"/>
+              </a:ext>
+            </a:extLst>
+          </p:cNvPr>
+          <p:cNvSpPr>
+            <a:spLocks noGrp="1"/>
+          </p:cNvSpPr>
+          <p:nvPr>
+            <p:ph idx="1"/>
+          </p:nvPr>
+        </p:nvSpPr>
+        <p:spPr>
+          <a:xfrm>
+            <a:off x="505967" y="1971966"/>
+            <a:ext cx="5753707" cy="5215845"/>
+          </a:xfrm>
+        </p:spPr>
+        <p:txBody>
+          <a:bodyPr/>
+          <a:lstStyle/>
+          <a:p>
+            <a:r>
+              <a:rPr lang="en-US" dirty="0"/>
+              <a:t>Traffic is getting heavier as time passes by and cities population increases.</a:t>
+            </a:r>
+          </a:p>
+          <a:p>
+            <a:r>
+              <a:rPr lang="en-US" dirty="0"/>
+              <a:t>Densely populated cities have the worst congestion times.</a:t>
+            </a:r>
+          </a:p>
+          <a:p>
+            <a:r>
+              <a:rPr lang="en-US" dirty="0"/>
+              <a:t>As of 2022, Bucharest is ranked the 8</a:t>
+            </a:r>
+            <a:r>
+              <a:rPr lang="en-US" baseline="30000" dirty="0"/>
+              <a:t>th</a:t>
+            </a:r>
+            <a:r>
+              <a:rPr lang="en-US" dirty="0"/>
+              <a:t> worst congested city in the world.</a:t>
+            </a:r>
+          </a:p>
+          <a:p>
+            <a:r>
+              <a:rPr lang="en-US" dirty="0"/>
+              <a:t>A study showed that a person driving in New York City has to spend on average 92 hours a year in traffic.</a:t>
+            </a:r>
+          </a:p>
+        </p:txBody>
+      </p:sp>
+      <p:sp>
+        <p:nvSpPr>
+          <p:cNvPr id="4" name="Title 1">
+            <a:extLst>
+              <a:ext uri="{FF2B5EF4-FFF2-40B4-BE49-F238E27FC236}">
+                <a16:creationId xmlns:a16="http://schemas.microsoft.com/office/drawing/2014/main" id="{BA1AB52A-346D-C6EB-CAB3-6388BE0AA983}"/>
               </a:ext>
             </a:extLst>
           </p:cNvPr>
@@ -6336,8 +6482,115 @@
         </p:nvSpPr>
         <p:spPr>
           <a:xfrm>
-            <a:off x="6096000" y="2052918"/>
-            <a:ext cx="4302406" cy="4195481"/>
+            <a:off x="6492241" y="464014"/>
+            <a:ext cx="9404723" cy="1400530"/>
+          </a:xfrm>
+          <a:prstGeom prst="rect">
+            <a:avLst/>
+          </a:prstGeom>
+        </p:spPr>
+        <p:txBody>
+          <a:bodyPr vert="horz" lIns="91440" tIns="45720" rIns="91440" bIns="45720" rtlCol="0" anchor="t">
+            <a:noAutofit/>
+          </a:bodyPr>
+          <a:lstStyle>
+            <a:lvl1pPr algn="l" defTabSz="457200" rtl="0" eaLnBrk="1" latinLnBrk="0" hangingPunct="1">
+              <a:spcBef>
+                <a:spcPct val="0"/>
+              </a:spcBef>
+              <a:buNone/>
+              <a:defRPr sz="4200" b="0" i="0" kern="1200">
+                <a:solidFill>
+                  <a:schemeClr val="tx2"/>
+                </a:solidFill>
+                <a:latin typeface="+mj-lt"/>
+                <a:ea typeface="+mj-ea"/>
+                <a:cs typeface="+mj-cs"/>
+              </a:defRPr>
+            </a:lvl1pPr>
+            <a:lvl2pPr eaLnBrk="1" hangingPunct="1">
+              <a:defRPr>
+                <a:solidFill>
+                  <a:schemeClr val="tx2"/>
+                </a:solidFill>
+              </a:defRPr>
+            </a:lvl2pPr>
+            <a:lvl3pPr eaLnBrk="1" hangingPunct="1">
+              <a:defRPr>
+                <a:solidFill>
+                  <a:schemeClr val="tx2"/>
+                </a:solidFill>
+              </a:defRPr>
+            </a:lvl3pPr>
+            <a:lvl4pPr eaLnBrk="1" hangingPunct="1">
+              <a:defRPr>
+                <a:solidFill>
+                  <a:schemeClr val="tx2"/>
+                </a:solidFill>
+              </a:defRPr>
+            </a:lvl4pPr>
+            <a:lvl5pPr eaLnBrk="1" hangingPunct="1">
+              <a:defRPr>
+                <a:solidFill>
+                  <a:schemeClr val="tx2"/>
+                </a:solidFill>
+              </a:defRPr>
+            </a:lvl5pPr>
+            <a:lvl6pPr eaLnBrk="1" hangingPunct="1">
+              <a:defRPr>
+                <a:solidFill>
+                  <a:schemeClr val="tx2"/>
+                </a:solidFill>
+              </a:defRPr>
+            </a:lvl6pPr>
+            <a:lvl7pPr eaLnBrk="1" hangingPunct="1">
+              <a:defRPr>
+                <a:solidFill>
+                  <a:schemeClr val="tx2"/>
+                </a:solidFill>
+              </a:defRPr>
+            </a:lvl7pPr>
+            <a:lvl8pPr eaLnBrk="1" hangingPunct="1">
+              <a:defRPr>
+                <a:solidFill>
+                  <a:schemeClr val="tx2"/>
+                </a:solidFill>
+              </a:defRPr>
+            </a:lvl8pPr>
+            <a:lvl9pPr eaLnBrk="1" hangingPunct="1">
+              <a:defRPr>
+                <a:solidFill>
+                  <a:schemeClr val="tx2"/>
+                </a:solidFill>
+              </a:defRPr>
+            </a:lvl9pPr>
+          </a:lstStyle>
+          <a:p>
+            <a:r>
+              <a:rPr lang="en-US" dirty="0"/>
+              <a:t>Motivation</a:t>
+            </a:r>
+          </a:p>
+        </p:txBody>
+      </p:sp>
+      <p:sp>
+        <p:nvSpPr>
+          <p:cNvPr id="5" name="Content Placeholder 2">
+            <a:extLst>
+              <a:ext uri="{FF2B5EF4-FFF2-40B4-BE49-F238E27FC236}">
+                <a16:creationId xmlns:a16="http://schemas.microsoft.com/office/drawing/2014/main" id="{9B6EC678-F42F-3B17-4E89-BEE486E361F4}"/>
+              </a:ext>
+            </a:extLst>
+          </p:cNvPr>
+          <p:cNvSpPr txBox="1">
+            <a:spLocks/>
+          </p:cNvSpPr>
+          <p:nvPr/>
+        </p:nvSpPr>
+        <p:spPr>
+          <a:xfrm>
+            <a:off x="6492241" y="1971966"/>
+            <a:ext cx="5193792" cy="4195481"/>
           </a:xfrm>
           <a:prstGeom prst="rect">
             <a:avLst/>
@@ -6577,6 +6830,850 @@
           <a:p>
             <a:r>
               <a:rPr lang="en-US" dirty="0"/>
+              <a:t>Lower congestion brings the following benefits:</a:t>
+            </a:r>
+          </a:p>
+          <a:p>
+            <a:pPr lvl="1"/>
+            <a:r>
+              <a:rPr lang="en-US" dirty="0"/>
+              <a:t>Fewer accidents and safer roads.</a:t>
+            </a:r>
+          </a:p>
+          <a:p>
+            <a:pPr lvl="1"/>
+            <a:r>
+              <a:rPr lang="en-US" dirty="0"/>
+              <a:t>Reduced pollution.</a:t>
+            </a:r>
+          </a:p>
+          <a:p>
+            <a:pPr lvl="1"/>
+            <a:r>
+              <a:rPr lang="en-US" dirty="0"/>
+              <a:t>Reduced wasted time.</a:t>
+            </a:r>
+          </a:p>
+          <a:p>
+            <a:pPr lvl="1"/>
+            <a:r>
+              <a:rPr lang="en-US" dirty="0"/>
+              <a:t>Free flow attracts investors, boosting the economy.</a:t>
+            </a:r>
+          </a:p>
+          <a:p>
+            <a:pPr lvl="1"/>
+            <a:r>
+              <a:rPr lang="en-US" dirty="0"/>
+              <a:t>Reduced stress and anxiety.</a:t>
+            </a:r>
+          </a:p>
+        </p:txBody>
+      </p:sp>
+    </p:spTree>
+    <p:extLst>
+      <p:ext uri="{BB962C8B-B14F-4D97-AF65-F5344CB8AC3E}">
+        <p14:creationId xmlns:p14="http://schemas.microsoft.com/office/powerpoint/2010/main" val="2367363976"/>
+      </p:ext>
+    </p:extLst>
+  </p:cSld>
+  <p:clrMapOvr>
+    <a:masterClrMapping/>
+  </p:clrMapOvr>
+</p:sld>
+</file>
+
+<file path=ppt/slides/slide3.xml><?xml version="1.0" encoding="utf-8"?>
+<p:sld xmlns:a="http://schemas.openxmlformats.org/drawingml/2006/main" xmlns:r="http://schemas.openxmlformats.org/officeDocument/2006/relationships" xmlns:p="http://schemas.openxmlformats.org/presentationml/2006/main">
+  <p:cSld>
+    <p:spTree>
+      <p:nvGrpSpPr>
+        <p:cNvPr id="1" name=""/>
+        <p:cNvGrpSpPr/>
+        <p:nvPr/>
+      </p:nvGrpSpPr>
+      <p:grpSpPr>
+        <a:xfrm>
+          <a:off x="0" y="0"/>
+          <a:ext cx="0" cy="0"/>
+          <a:chOff x="0" y="0"/>
+          <a:chExt cx="0" cy="0"/>
+        </a:xfrm>
+      </p:grpSpPr>
+      <p:sp>
+        <p:nvSpPr>
+          <p:cNvPr id="2" name="Title 1">
+            <a:extLst>
+              <a:ext uri="{FF2B5EF4-FFF2-40B4-BE49-F238E27FC236}">
+                <a16:creationId xmlns:a16="http://schemas.microsoft.com/office/drawing/2014/main" id="{CA43D279-7119-FB15-4837-AB0328528B0C}"/>
+              </a:ext>
+            </a:extLst>
+          </p:cNvPr>
+          <p:cNvSpPr>
+            <a:spLocks noGrp="1"/>
+          </p:cNvSpPr>
+          <p:nvPr>
+            <p:ph type="title"/>
+          </p:nvPr>
+        </p:nvSpPr>
+        <p:spPr/>
+        <p:txBody>
+          <a:bodyPr/>
+          <a:lstStyle/>
+          <a:p>
+            <a:r>
+              <a:rPr lang="en-US" dirty="0"/>
+              <a:t>Solution</a:t>
+            </a:r>
+          </a:p>
+        </p:txBody>
+      </p:sp>
+      <p:sp>
+        <p:nvSpPr>
+          <p:cNvPr id="3" name="Content Placeholder 2">
+            <a:extLst>
+              <a:ext uri="{FF2B5EF4-FFF2-40B4-BE49-F238E27FC236}">
+                <a16:creationId xmlns:a16="http://schemas.microsoft.com/office/drawing/2014/main" id="{68530A6A-2F75-64AF-D30E-44C05A0D98C3}"/>
+              </a:ext>
+            </a:extLst>
+          </p:cNvPr>
+          <p:cNvSpPr>
+            <a:spLocks noGrp="1"/>
+          </p:cNvSpPr>
+          <p:nvPr>
+            <p:ph idx="1"/>
+          </p:nvPr>
+        </p:nvSpPr>
+        <p:spPr>
+          <a:xfrm>
+            <a:off x="1104293" y="1331259"/>
+            <a:ext cx="8946541" cy="4195481"/>
+          </a:xfrm>
+        </p:spPr>
+        <p:txBody>
+          <a:bodyPr>
+            <a:normAutofit/>
+          </a:bodyPr>
+          <a:lstStyle/>
+          <a:p>
+            <a:r>
+              <a:rPr lang="en-US" dirty="0"/>
+              <a:t>Modern applications in route planning relies on user input for prediction.</a:t>
+            </a:r>
+          </a:p>
+          <a:p>
+            <a:r>
+              <a:rPr lang="en-US" dirty="0"/>
+              <a:t>Neural network models can predict average speeds at key points in a city without user input</a:t>
+            </a:r>
+          </a:p>
+          <a:p>
+            <a:r>
+              <a:rPr lang="en-US" dirty="0"/>
+              <a:t>Predictions made by using manual or generated maps as graphs for the models.</a:t>
+            </a:r>
+          </a:p>
+          <a:p>
+            <a:r>
+              <a:rPr lang="en-US" dirty="0"/>
+              <a:t>Experiment with different-sized graphs of intersections or the entire city. Experiment with different configurations.</a:t>
+            </a:r>
+          </a:p>
+          <a:p>
+            <a:r>
+              <a:rPr lang="en-US" dirty="0"/>
+              <a:t>Multiple GNN models and statistical models experimented</a:t>
+            </a:r>
+          </a:p>
+        </p:txBody>
+      </p:sp>
+    </p:spTree>
+    <p:extLst>
+      <p:ext uri="{BB962C8B-B14F-4D97-AF65-F5344CB8AC3E}">
+        <p14:creationId xmlns:p14="http://schemas.microsoft.com/office/powerpoint/2010/main" val="3163742866"/>
+      </p:ext>
+    </p:extLst>
+  </p:cSld>
+  <p:clrMapOvr>
+    <a:masterClrMapping/>
+  </p:clrMapOvr>
+</p:sld>
+</file>
+
+<file path=ppt/slides/slide4.xml><?xml version="1.0" encoding="utf-8"?>
+<p:sld xmlns:a="http://schemas.openxmlformats.org/drawingml/2006/main" xmlns:r="http://schemas.openxmlformats.org/officeDocument/2006/relationships" xmlns:p="http://schemas.openxmlformats.org/presentationml/2006/main">
+  <p:cSld>
+    <p:spTree>
+      <p:nvGrpSpPr>
+        <p:cNvPr id="1" name=""/>
+        <p:cNvGrpSpPr/>
+        <p:nvPr/>
+      </p:nvGrpSpPr>
+      <p:grpSpPr>
+        <a:xfrm>
+          <a:off x="0" y="0"/>
+          <a:ext cx="0" cy="0"/>
+          <a:chOff x="0" y="0"/>
+          <a:chExt cx="0" cy="0"/>
+        </a:xfrm>
+      </p:grpSpPr>
+      <p:sp>
+        <p:nvSpPr>
+          <p:cNvPr id="2" name="Title 1">
+            <a:extLst>
+              <a:ext uri="{FF2B5EF4-FFF2-40B4-BE49-F238E27FC236}">
+                <a16:creationId xmlns:a16="http://schemas.microsoft.com/office/drawing/2014/main" id="{08427476-8520-7784-5167-61F56ADC6185}"/>
+              </a:ext>
+            </a:extLst>
+          </p:cNvPr>
+          <p:cNvSpPr>
+            <a:spLocks noGrp="1"/>
+          </p:cNvSpPr>
+          <p:nvPr>
+            <p:ph type="title"/>
+          </p:nvPr>
+        </p:nvSpPr>
+        <p:spPr/>
+        <p:txBody>
+          <a:bodyPr/>
+          <a:lstStyle/>
+          <a:p>
+            <a:r>
+              <a:rPr lang="en-US" dirty="0"/>
+              <a:t>Project Data</a:t>
+            </a:r>
+          </a:p>
+        </p:txBody>
+      </p:sp>
+      <p:sp>
+        <p:nvSpPr>
+          <p:cNvPr id="3" name="Content Placeholder 2">
+            <a:extLst>
+              <a:ext uri="{FF2B5EF4-FFF2-40B4-BE49-F238E27FC236}">
+                <a16:creationId xmlns:a16="http://schemas.microsoft.com/office/drawing/2014/main" id="{E290FB96-D37F-711A-7055-DFF1CE9A60F9}"/>
+              </a:ext>
+            </a:extLst>
+          </p:cNvPr>
+          <p:cNvSpPr>
+            <a:spLocks noGrp="1"/>
+          </p:cNvSpPr>
+          <p:nvPr>
+            <p:ph idx="1"/>
+          </p:nvPr>
+        </p:nvSpPr>
+        <p:spPr>
+          <a:xfrm>
+            <a:off x="1103312" y="2052918"/>
+            <a:ext cx="4750641" cy="4195481"/>
+          </a:xfrm>
+        </p:spPr>
+        <p:txBody>
+          <a:bodyPr/>
+          <a:lstStyle/>
+          <a:p>
+            <a:r>
+              <a:rPr lang="en-US" dirty="0"/>
+              <a:t>Sensor nodes from the traffic of Los Angeles for July 2021.</a:t>
+            </a:r>
+          </a:p>
+          <a:p>
+            <a:r>
+              <a:rPr lang="en-US" dirty="0"/>
+              <a:t>2800 individual sensors.</a:t>
+            </a:r>
+          </a:p>
+          <a:p>
+            <a:r>
+              <a:rPr lang="en-US" dirty="0"/>
+              <a:t>Aggregate data every 5 minutes.</a:t>
+            </a:r>
+          </a:p>
+          <a:p>
+            <a:r>
+              <a:rPr lang="en-US" dirty="0"/>
+              <a:t>Predict only weekdays.</a:t>
+            </a:r>
+          </a:p>
+          <a:p>
+            <a:r>
+              <a:rPr lang="en-US" dirty="0"/>
+              <a:t>Key points are downtown intersections</a:t>
+            </a:r>
+          </a:p>
+        </p:txBody>
+      </p:sp>
+      <p:pic>
+        <p:nvPicPr>
+          <p:cNvPr id="5" name="Picture 4">
+            <a:extLst>
+              <a:ext uri="{FF2B5EF4-FFF2-40B4-BE49-F238E27FC236}">
+                <a16:creationId xmlns:a16="http://schemas.microsoft.com/office/drawing/2014/main" id="{B54C769B-07D5-83E9-4C5C-834CF3D7456A}"/>
+              </a:ext>
+            </a:extLst>
+          </p:cNvPr>
+          <p:cNvPicPr>
+            <a:picLocks noChangeAspect="1"/>
+          </p:cNvPicPr>
+          <p:nvPr/>
+        </p:nvPicPr>
+        <p:blipFill>
+          <a:blip r:embed="rId2">
+            <a:extLst>
+              <a:ext uri="{28A0092B-C50C-407E-A947-70E740481C1C}">
+                <a14:useLocalDpi xmlns:a14="http://schemas.microsoft.com/office/drawing/2010/main" val="0"/>
+              </a:ext>
+            </a:extLst>
+          </a:blip>
+          <a:stretch>
+            <a:fillRect/>
+          </a:stretch>
+        </p:blipFill>
+        <p:spPr>
+          <a:xfrm>
+            <a:off x="6096000" y="1959394"/>
+            <a:ext cx="4866715" cy="3476225"/>
+          </a:xfrm>
+          <a:prstGeom prst="rect">
+            <a:avLst/>
+          </a:prstGeom>
+        </p:spPr>
+      </p:pic>
+    </p:spTree>
+    <p:extLst>
+      <p:ext uri="{BB962C8B-B14F-4D97-AF65-F5344CB8AC3E}">
+        <p14:creationId xmlns:p14="http://schemas.microsoft.com/office/powerpoint/2010/main" val="2203149143"/>
+      </p:ext>
+    </p:extLst>
+  </p:cSld>
+  <p:clrMapOvr>
+    <a:masterClrMapping/>
+  </p:clrMapOvr>
+</p:sld>
+</file>
+
+<file path=ppt/slides/slide5.xml><?xml version="1.0" encoding="utf-8"?>
+<p:sld xmlns:a="http://schemas.openxmlformats.org/drawingml/2006/main" xmlns:r="http://schemas.openxmlformats.org/officeDocument/2006/relationships" xmlns:p="http://schemas.openxmlformats.org/presentationml/2006/main">
+  <p:cSld>
+    <p:spTree>
+      <p:nvGrpSpPr>
+        <p:cNvPr id="1" name=""/>
+        <p:cNvGrpSpPr/>
+        <p:nvPr/>
+      </p:nvGrpSpPr>
+      <p:grpSpPr>
+        <a:xfrm>
+          <a:off x="0" y="0"/>
+          <a:ext cx="0" cy="0"/>
+          <a:chOff x="0" y="0"/>
+          <a:chExt cx="0" cy="0"/>
+        </a:xfrm>
+      </p:grpSpPr>
+      <p:sp>
+        <p:nvSpPr>
+          <p:cNvPr id="2" name="Title 1">
+            <a:extLst>
+              <a:ext uri="{FF2B5EF4-FFF2-40B4-BE49-F238E27FC236}">
+                <a16:creationId xmlns:a16="http://schemas.microsoft.com/office/drawing/2014/main" id="{DE673304-DD24-DECB-3817-20C4DB5DA6E8}"/>
+              </a:ext>
+            </a:extLst>
+          </p:cNvPr>
+          <p:cNvSpPr>
+            <a:spLocks noGrp="1"/>
+          </p:cNvSpPr>
+          <p:nvPr>
+            <p:ph type="title"/>
+          </p:nvPr>
+        </p:nvSpPr>
+        <p:spPr/>
+        <p:txBody>
+          <a:bodyPr/>
+          <a:lstStyle/>
+          <a:p>
+            <a:r>
+              <a:rPr lang="en-US" dirty="0"/>
+              <a:t>Map Generation</a:t>
+            </a:r>
+          </a:p>
+        </p:txBody>
+      </p:sp>
+      <p:sp>
+        <p:nvSpPr>
+          <p:cNvPr id="3" name="Content Placeholder 2">
+            <a:extLst>
+              <a:ext uri="{FF2B5EF4-FFF2-40B4-BE49-F238E27FC236}">
+                <a16:creationId xmlns:a16="http://schemas.microsoft.com/office/drawing/2014/main" id="{7B5DB5E5-C267-2F2B-0725-F8526645B6B7}"/>
+              </a:ext>
+            </a:extLst>
+          </p:cNvPr>
+          <p:cNvSpPr>
+            <a:spLocks noGrp="1"/>
+          </p:cNvSpPr>
+          <p:nvPr>
+            <p:ph idx="1"/>
+          </p:nvPr>
+        </p:nvSpPr>
+        <p:spPr/>
+        <p:txBody>
+          <a:bodyPr/>
+          <a:lstStyle/>
+          <a:p>
+            <a:r>
+              <a:rPr lang="en-US" dirty="0"/>
+              <a:t>Map is generated by two criteria: Adjacency and edge weight.</a:t>
+            </a:r>
+          </a:p>
+          <a:p>
+            <a:r>
+              <a:rPr lang="en-US" dirty="0"/>
+              <a:t>Adjacency is computed as:</a:t>
+            </a:r>
+          </a:p>
+          <a:p>
+            <a:pPr lvl="1"/>
+            <a:r>
+              <a:rPr lang="en-US" dirty="0"/>
+              <a:t>Manual</a:t>
+            </a:r>
+          </a:p>
+          <a:p>
+            <a:pPr lvl="1"/>
+            <a:r>
+              <a:rPr lang="en-US" dirty="0"/>
+              <a:t>Generative</a:t>
+            </a:r>
+          </a:p>
+          <a:p>
+            <a:pPr lvl="1"/>
+            <a:r>
+              <a:rPr lang="en-US" dirty="0"/>
+              <a:t>Linear Regression computing.</a:t>
+            </a:r>
+          </a:p>
+          <a:p>
+            <a:r>
+              <a:rPr lang="en-US" dirty="0"/>
+              <a:t>Edges weight are computed as:</a:t>
+            </a:r>
+          </a:p>
+          <a:p>
+            <a:pPr lvl="1"/>
+            <a:r>
+              <a:rPr lang="en-US" dirty="0"/>
+              <a:t>Geodesic </a:t>
+            </a:r>
+          </a:p>
+          <a:p>
+            <a:pPr lvl="1"/>
+            <a:r>
+              <a:rPr lang="en-US" dirty="0"/>
+              <a:t>Road distance.</a:t>
+            </a:r>
+          </a:p>
+        </p:txBody>
+      </p:sp>
+    </p:spTree>
+    <p:extLst>
+      <p:ext uri="{BB962C8B-B14F-4D97-AF65-F5344CB8AC3E}">
+        <p14:creationId xmlns:p14="http://schemas.microsoft.com/office/powerpoint/2010/main" val="3215753155"/>
+      </p:ext>
+    </p:extLst>
+  </p:cSld>
+  <p:clrMapOvr>
+    <a:masterClrMapping/>
+  </p:clrMapOvr>
+</p:sld>
+</file>
+
+<file path=ppt/slides/slide6.xml><?xml version="1.0" encoding="utf-8"?>
+<p:sld xmlns:a="http://schemas.openxmlformats.org/drawingml/2006/main" xmlns:r="http://schemas.openxmlformats.org/officeDocument/2006/relationships" xmlns:p="http://schemas.openxmlformats.org/presentationml/2006/main">
+  <p:cSld>
+    <p:spTree>
+      <p:nvGrpSpPr>
+        <p:cNvPr id="1" name=""/>
+        <p:cNvGrpSpPr/>
+        <p:nvPr/>
+      </p:nvGrpSpPr>
+      <p:grpSpPr>
+        <a:xfrm>
+          <a:off x="0" y="0"/>
+          <a:ext cx="0" cy="0"/>
+          <a:chOff x="0" y="0"/>
+          <a:chExt cx="0" cy="0"/>
+        </a:xfrm>
+      </p:grpSpPr>
+      <p:sp>
+        <p:nvSpPr>
+          <p:cNvPr id="2" name="Title 1">
+            <a:extLst>
+              <a:ext uri="{FF2B5EF4-FFF2-40B4-BE49-F238E27FC236}">
+                <a16:creationId xmlns:a16="http://schemas.microsoft.com/office/drawing/2014/main" id="{E37F6830-1861-44AB-5D10-7E322613056C}"/>
+              </a:ext>
+            </a:extLst>
+          </p:cNvPr>
+          <p:cNvSpPr>
+            <a:spLocks noGrp="1"/>
+          </p:cNvSpPr>
+          <p:nvPr>
+            <p:ph type="title"/>
+          </p:nvPr>
+        </p:nvSpPr>
+        <p:spPr/>
+        <p:txBody>
+          <a:bodyPr/>
+          <a:lstStyle/>
+          <a:p>
+            <a:r>
+              <a:rPr lang="en-US" dirty="0"/>
+              <a:t>Dataset Sizes &amp; Models</a:t>
+            </a:r>
+          </a:p>
+        </p:txBody>
+      </p:sp>
+      <p:sp>
+        <p:nvSpPr>
+          <p:cNvPr id="3" name="Content Placeholder 2">
+            <a:extLst>
+              <a:ext uri="{FF2B5EF4-FFF2-40B4-BE49-F238E27FC236}">
+                <a16:creationId xmlns:a16="http://schemas.microsoft.com/office/drawing/2014/main" id="{077A79A3-F5A5-98EE-8F96-455FDDF6FEE3}"/>
+              </a:ext>
+            </a:extLst>
+          </p:cNvPr>
+          <p:cNvSpPr>
+            <a:spLocks noGrp="1"/>
+          </p:cNvSpPr>
+          <p:nvPr>
+            <p:ph idx="1"/>
+          </p:nvPr>
+        </p:nvSpPr>
+        <p:spPr>
+          <a:xfrm>
+            <a:off x="1103313" y="2052918"/>
+            <a:ext cx="4302406" cy="4195481"/>
+          </a:xfrm>
+        </p:spPr>
+        <p:txBody>
+          <a:bodyPr/>
+          <a:lstStyle/>
+          <a:p>
+            <a:r>
+              <a:rPr lang="en-US" dirty="0"/>
+              <a:t>Four Dataset Sizes:</a:t>
+            </a:r>
+          </a:p>
+          <a:p>
+            <a:pPr lvl="1"/>
+            <a:r>
+              <a:rPr lang="en-US" dirty="0"/>
+              <a:t>Manual</a:t>
+            </a:r>
+          </a:p>
+          <a:p>
+            <a:pPr lvl="1"/>
+            <a:r>
+              <a:rPr lang="en-US" dirty="0"/>
+              <a:t>Tiny</a:t>
+            </a:r>
+          </a:p>
+          <a:p>
+            <a:pPr lvl="1"/>
+            <a:r>
+              <a:rPr lang="en-US" dirty="0"/>
+              <a:t>Small</a:t>
+            </a:r>
+          </a:p>
+          <a:p>
+            <a:pPr lvl="1"/>
+            <a:r>
+              <a:rPr lang="en-US" dirty="0"/>
+              <a:t>Medium</a:t>
+            </a:r>
+          </a:p>
+          <a:p>
+            <a:r>
+              <a:rPr lang="en-US" dirty="0"/>
+              <a:t>Three Neural network models:</a:t>
+            </a:r>
+          </a:p>
+          <a:p>
+            <a:pPr lvl="1"/>
+            <a:r>
+              <a:rPr lang="en-US" dirty="0"/>
+              <a:t>STCONV</a:t>
+            </a:r>
+          </a:p>
+          <a:p>
+            <a:pPr lvl="1"/>
+            <a:r>
+              <a:rPr lang="en-US" dirty="0"/>
+              <a:t>GCLSTM</a:t>
+            </a:r>
+          </a:p>
+          <a:p>
+            <a:pPr lvl="1"/>
+            <a:r>
+              <a:rPr lang="en-US" dirty="0"/>
+              <a:t>DCRNN</a:t>
+            </a:r>
+          </a:p>
+        </p:txBody>
+      </p:sp>
+      <p:sp>
+        <p:nvSpPr>
+          <p:cNvPr id="6" name="Content Placeholder 2">
+            <a:extLst>
+              <a:ext uri="{FF2B5EF4-FFF2-40B4-BE49-F238E27FC236}">
+                <a16:creationId xmlns:a16="http://schemas.microsoft.com/office/drawing/2014/main" id="{C16076AA-05C5-9333-79A5-6C29119BF68B}"/>
+              </a:ext>
+            </a:extLst>
+          </p:cNvPr>
+          <p:cNvSpPr txBox="1">
+            <a:spLocks/>
+          </p:cNvSpPr>
+          <p:nvPr/>
+        </p:nvSpPr>
+        <p:spPr>
+          <a:xfrm>
+            <a:off x="6096000" y="2052918"/>
+            <a:ext cx="4302406" cy="4195481"/>
+          </a:xfrm>
+          <a:prstGeom prst="rect">
+            <a:avLst/>
+          </a:prstGeom>
+        </p:spPr>
+        <p:txBody>
+          <a:bodyPr vert="horz" lIns="91440" tIns="45720" rIns="91440" bIns="45720" rtlCol="0">
+            <a:normAutofit/>
+          </a:bodyPr>
+          <a:lstStyle>
+            <a:lvl1pPr marL="342900" indent="-342900" algn="l" defTabSz="457200" rtl="0" eaLnBrk="1" latinLnBrk="0" hangingPunct="1">
+              <a:spcBef>
+                <a:spcPts val="1000"/>
+              </a:spcBef>
+              <a:spcAft>
+                <a:spcPts val="0"/>
+              </a:spcAft>
+              <a:buClr>
+                <a:schemeClr val="bg2">
+                  <a:lumMod val="40000"/>
+                  <a:lumOff val="60000"/>
+                </a:schemeClr>
+              </a:buClr>
+              <a:buSzPct val="80000"/>
+              <a:buFont typeface="Wingdings 3" charset="2"/>
+              <a:buChar char=""/>
+              <a:defRPr sz="2000" b="0" i="0" kern="1200">
+                <a:solidFill>
+                  <a:schemeClr val="tx1"/>
+                </a:solidFill>
+                <a:latin typeface="+mj-lt"/>
+                <a:ea typeface="+mj-ea"/>
+                <a:cs typeface="+mj-cs"/>
+              </a:defRPr>
+            </a:lvl1pPr>
+            <a:lvl2pPr marL="742950" indent="-285750" algn="l" defTabSz="457200" rtl="0" eaLnBrk="1" latinLnBrk="0" hangingPunct="1">
+              <a:spcBef>
+                <a:spcPts val="1000"/>
+              </a:spcBef>
+              <a:spcAft>
+                <a:spcPts val="0"/>
+              </a:spcAft>
+              <a:buClr>
+                <a:schemeClr val="bg2">
+                  <a:lumMod val="40000"/>
+                  <a:lumOff val="60000"/>
+                </a:schemeClr>
+              </a:buClr>
+              <a:buSzPct val="80000"/>
+              <a:buFont typeface="Wingdings 3" charset="2"/>
+              <a:buChar char=""/>
+              <a:defRPr sz="1800" b="0" i="0" kern="1200">
+                <a:solidFill>
+                  <a:schemeClr val="tx1"/>
+                </a:solidFill>
+                <a:latin typeface="+mj-lt"/>
+                <a:ea typeface="+mj-ea"/>
+                <a:cs typeface="+mj-cs"/>
+              </a:defRPr>
+            </a:lvl2pPr>
+            <a:lvl3pPr marL="1143000" indent="-228600" algn="l" defTabSz="457200" rtl="0" eaLnBrk="1" latinLnBrk="0" hangingPunct="1">
+              <a:spcBef>
+                <a:spcPts val="1000"/>
+              </a:spcBef>
+              <a:spcAft>
+                <a:spcPts val="0"/>
+              </a:spcAft>
+              <a:buClr>
+                <a:schemeClr val="bg2">
+                  <a:lumMod val="40000"/>
+                  <a:lumOff val="60000"/>
+                </a:schemeClr>
+              </a:buClr>
+              <a:buSzPct val="80000"/>
+              <a:buFont typeface="Wingdings 3" charset="2"/>
+              <a:buChar char=""/>
+              <a:defRPr sz="1600" b="0" i="0" kern="1200">
+                <a:solidFill>
+                  <a:schemeClr val="tx1"/>
+                </a:solidFill>
+                <a:latin typeface="+mj-lt"/>
+                <a:ea typeface="+mj-ea"/>
+                <a:cs typeface="+mj-cs"/>
+              </a:defRPr>
+            </a:lvl3pPr>
+            <a:lvl4pPr marL="1600200" indent="-228600" algn="l" defTabSz="457200" rtl="0" eaLnBrk="1" latinLnBrk="0" hangingPunct="1">
+              <a:spcBef>
+                <a:spcPts val="1000"/>
+              </a:spcBef>
+              <a:spcAft>
+                <a:spcPts val="0"/>
+              </a:spcAft>
+              <a:buClr>
+                <a:schemeClr val="bg2">
+                  <a:lumMod val="40000"/>
+                  <a:lumOff val="60000"/>
+                </a:schemeClr>
+              </a:buClr>
+              <a:buSzPct val="80000"/>
+              <a:buFont typeface="Wingdings 3" charset="2"/>
+              <a:buChar char=""/>
+              <a:defRPr sz="1400" b="0" i="0" kern="1200">
+                <a:solidFill>
+                  <a:schemeClr val="tx1"/>
+                </a:solidFill>
+                <a:latin typeface="+mj-lt"/>
+                <a:ea typeface="+mj-ea"/>
+                <a:cs typeface="+mj-cs"/>
+              </a:defRPr>
+            </a:lvl4pPr>
+            <a:lvl5pPr marL="2057400" indent="-228600" algn="l" defTabSz="457200" rtl="0" eaLnBrk="1" latinLnBrk="0" hangingPunct="1">
+              <a:spcBef>
+                <a:spcPts val="1000"/>
+              </a:spcBef>
+              <a:spcAft>
+                <a:spcPts val="0"/>
+              </a:spcAft>
+              <a:buClr>
+                <a:schemeClr val="bg2">
+                  <a:lumMod val="40000"/>
+                  <a:lumOff val="60000"/>
+                </a:schemeClr>
+              </a:buClr>
+              <a:buSzPct val="80000"/>
+              <a:buFont typeface="Wingdings 3" charset="2"/>
+              <a:buChar char=""/>
+              <a:defRPr sz="1400" b="0" i="0" kern="1200">
+                <a:solidFill>
+                  <a:schemeClr val="tx1"/>
+                </a:solidFill>
+                <a:latin typeface="+mj-lt"/>
+                <a:ea typeface="+mj-ea"/>
+                <a:cs typeface="+mj-cs"/>
+              </a:defRPr>
+            </a:lvl5pPr>
+            <a:lvl6pPr marL="2506000" indent="-228600" algn="l" defTabSz="457200" rtl="0" eaLnBrk="1" latinLnBrk="0" hangingPunct="1">
+              <a:spcBef>
+                <a:spcPts val="1000"/>
+              </a:spcBef>
+              <a:spcAft>
+                <a:spcPts val="0"/>
+              </a:spcAft>
+              <a:buClr>
+                <a:schemeClr val="bg2">
+                  <a:lumMod val="40000"/>
+                  <a:lumOff val="60000"/>
+                </a:schemeClr>
+              </a:buClr>
+              <a:buSzPct val="80000"/>
+              <a:buFont typeface="Wingdings 3" charset="2"/>
+              <a:buChar char=""/>
+              <a:defRPr sz="1400" b="0" i="0" kern="1200">
+                <a:solidFill>
+                  <a:schemeClr val="tx1"/>
+                </a:solidFill>
+                <a:latin typeface="+mj-lt"/>
+                <a:ea typeface="+mj-ea"/>
+                <a:cs typeface="+mj-cs"/>
+              </a:defRPr>
+            </a:lvl6pPr>
+            <a:lvl7pPr marL="2971800" indent="-228600" algn="l" defTabSz="457200" rtl="0" eaLnBrk="1" latinLnBrk="0" hangingPunct="1">
+              <a:spcBef>
+                <a:spcPts val="1000"/>
+              </a:spcBef>
+              <a:spcAft>
+                <a:spcPts val="0"/>
+              </a:spcAft>
+              <a:buClr>
+                <a:schemeClr val="bg2">
+                  <a:lumMod val="40000"/>
+                  <a:lumOff val="60000"/>
+                </a:schemeClr>
+              </a:buClr>
+              <a:buSzPct val="80000"/>
+              <a:buFont typeface="Wingdings 3" charset="2"/>
+              <a:buChar char=""/>
+              <a:defRPr sz="1400" b="0" i="0" kern="1200">
+                <a:solidFill>
+                  <a:schemeClr val="tx1"/>
+                </a:solidFill>
+                <a:latin typeface="+mj-lt"/>
+                <a:ea typeface="+mj-ea"/>
+                <a:cs typeface="+mj-cs"/>
+              </a:defRPr>
+            </a:lvl7pPr>
+            <a:lvl8pPr marL="3429000" indent="-228600" algn="l" defTabSz="457200" rtl="0" eaLnBrk="1" latinLnBrk="0" hangingPunct="1">
+              <a:spcBef>
+                <a:spcPts val="1000"/>
+              </a:spcBef>
+              <a:spcAft>
+                <a:spcPts val="0"/>
+              </a:spcAft>
+              <a:buClr>
+                <a:schemeClr val="bg2">
+                  <a:lumMod val="40000"/>
+                  <a:lumOff val="60000"/>
+                </a:schemeClr>
+              </a:buClr>
+              <a:buSzPct val="80000"/>
+              <a:buFont typeface="Wingdings 3" charset="2"/>
+              <a:buChar char=""/>
+              <a:defRPr sz="1400" b="0" i="0" kern="1200">
+                <a:solidFill>
+                  <a:schemeClr val="tx1"/>
+                </a:solidFill>
+                <a:latin typeface="+mj-lt"/>
+                <a:ea typeface="+mj-ea"/>
+                <a:cs typeface="+mj-cs"/>
+              </a:defRPr>
+            </a:lvl8pPr>
+            <a:lvl9pPr marL="3886200" indent="-228600" algn="l" defTabSz="457200" rtl="0" eaLnBrk="1" latinLnBrk="0" hangingPunct="1">
+              <a:spcBef>
+                <a:spcPts val="1000"/>
+              </a:spcBef>
+              <a:spcAft>
+                <a:spcPts val="0"/>
+              </a:spcAft>
+              <a:buClr>
+                <a:schemeClr val="bg2">
+                  <a:lumMod val="40000"/>
+                  <a:lumOff val="60000"/>
+                </a:schemeClr>
+              </a:buClr>
+              <a:buSzPct val="80000"/>
+              <a:buFont typeface="Wingdings 3" charset="2"/>
+              <a:buChar char=""/>
+              <a:defRPr sz="1400" b="0" i="0" kern="1200">
+                <a:solidFill>
+                  <a:schemeClr val="tx1"/>
+                </a:solidFill>
+                <a:latin typeface="+mj-lt"/>
+                <a:ea typeface="+mj-ea"/>
+                <a:cs typeface="+mj-cs"/>
+              </a:defRPr>
+            </a:lvl9pPr>
+          </a:lstStyle>
+          <a:p>
+            <a:r>
+              <a:rPr lang="en-US" dirty="0"/>
               <a:t>Three statistical models:</a:t>
             </a:r>
           </a:p>
@@ -6616,7 +7713,7 @@
 </p:sld>
 </file>
 
-<file path=ppt/slides/slide11.xml><?xml version="1.0" encoding="utf-8"?>
+<file path=ppt/slides/slide7.xml><?xml version="1.0" encoding="utf-8"?>
 <p:sld xmlns:a="http://schemas.openxmlformats.org/drawingml/2006/main" xmlns:r="http://schemas.openxmlformats.org/officeDocument/2006/relationships" xmlns:p="http://schemas.openxmlformats.org/presentationml/2006/main">
   <p:cSld>
     <p:spTree>
@@ -6755,7 +7852,162 @@
 </p:sld>
 </file>
 
-<file path=ppt/slides/slide12.xml><?xml version="1.0" encoding="utf-8"?>
+<file path=ppt/slides/slide8.xml><?xml version="1.0" encoding="utf-8"?>
+<p:sld xmlns:a="http://schemas.openxmlformats.org/drawingml/2006/main" xmlns:r="http://schemas.openxmlformats.org/officeDocument/2006/relationships" xmlns:p="http://schemas.openxmlformats.org/presentationml/2006/main">
+  <p:cSld>
+    <p:spTree>
+      <p:nvGrpSpPr>
+        <p:cNvPr id="1" name=""/>
+        <p:cNvGrpSpPr/>
+        <p:nvPr/>
+      </p:nvGrpSpPr>
+      <p:grpSpPr>
+        <a:xfrm>
+          <a:off x="0" y="0"/>
+          <a:ext cx="0" cy="0"/>
+          <a:chOff x="0" y="0"/>
+          <a:chExt cx="0" cy="0"/>
+        </a:xfrm>
+      </p:grpSpPr>
+      <p:sp>
+        <p:nvSpPr>
+          <p:cNvPr id="2" name="Title 1">
+            <a:extLst>
+              <a:ext uri="{FF2B5EF4-FFF2-40B4-BE49-F238E27FC236}">
+                <a16:creationId xmlns:a16="http://schemas.microsoft.com/office/drawing/2014/main" id="{444A8EA9-7584-93BA-1A19-F9273C033F48}"/>
+              </a:ext>
+            </a:extLst>
+          </p:cNvPr>
+          <p:cNvSpPr>
+            <a:spLocks noGrp="1"/>
+          </p:cNvSpPr>
+          <p:nvPr>
+            <p:ph type="title"/>
+          </p:nvPr>
+        </p:nvSpPr>
+        <p:spPr/>
+        <p:txBody>
+          <a:bodyPr/>
+          <a:lstStyle/>
+          <a:p>
+            <a:r>
+              <a:rPr lang="en-US" dirty="0"/>
+              <a:t>Single Node prediction</a:t>
+            </a:r>
+            <a:br>
+              <a:rPr lang="en-US" dirty="0"/>
+            </a:br>
+            <a:endParaRPr lang="en-US" dirty="0"/>
+          </a:p>
+        </p:txBody>
+      </p:sp>
+      <p:sp>
+        <p:nvSpPr>
+          <p:cNvPr id="3" name="Content Placeholder 2">
+            <a:extLst>
+              <a:ext uri="{FF2B5EF4-FFF2-40B4-BE49-F238E27FC236}">
+                <a16:creationId xmlns:a16="http://schemas.microsoft.com/office/drawing/2014/main" id="{98C7393D-A4F0-489E-167D-D7908824EDB6}"/>
+              </a:ext>
+            </a:extLst>
+          </p:cNvPr>
+          <p:cNvSpPr>
+            <a:spLocks noGrp="1"/>
+          </p:cNvSpPr>
+          <p:nvPr>
+            <p:ph idx="1"/>
+          </p:nvPr>
+        </p:nvSpPr>
+        <p:spPr>
+          <a:xfrm>
+            <a:off x="835077" y="1853248"/>
+            <a:ext cx="3775077" cy="4195481"/>
+          </a:xfrm>
+        </p:spPr>
+        <p:txBody>
+          <a:bodyPr/>
+          <a:lstStyle/>
+          <a:p>
+            <a:r>
+              <a:rPr lang="en-US" dirty="0"/>
+              <a:t>Prediction for test data (5 working days)</a:t>
+            </a:r>
+          </a:p>
+          <a:p>
+            <a:r>
+              <a:rPr lang="en-US" dirty="0"/>
+              <a:t>Highly accurate in congestion situations</a:t>
+            </a:r>
+          </a:p>
+          <a:p>
+            <a:r>
+              <a:rPr lang="en-US" dirty="0"/>
+              <a:t>Consistent throughout all days</a:t>
+            </a:r>
+          </a:p>
+          <a:p>
+            <a:r>
+              <a:rPr lang="en-US" dirty="0"/>
+              <a:t>Identifies congestion times</a:t>
+            </a:r>
+          </a:p>
+          <a:p>
+            <a:pPr marL="0" indent="0">
+              <a:buNone/>
+            </a:pPr>
+            <a:endParaRPr lang="en-US" dirty="0"/>
+          </a:p>
+        </p:txBody>
+      </p:sp>
+      <p:pic>
+        <p:nvPicPr>
+          <p:cNvPr id="9" name="Picture 8">
+            <a:extLst>
+              <a:ext uri="{FF2B5EF4-FFF2-40B4-BE49-F238E27FC236}">
+                <a16:creationId xmlns:a16="http://schemas.microsoft.com/office/drawing/2014/main" id="{99FAD38F-AA73-B222-6E4F-90238D2D13AB}"/>
+              </a:ext>
+            </a:extLst>
+          </p:cNvPr>
+          <p:cNvPicPr>
+            <a:picLocks noChangeAspect="1"/>
+          </p:cNvPicPr>
+          <p:nvPr/>
+        </p:nvPicPr>
+        <p:blipFill>
+          <a:blip r:embed="rId2">
+            <a:extLst>
+              <a:ext uri="{28A0092B-C50C-407E-A947-70E740481C1C}">
+                <a14:useLocalDpi xmlns:a14="http://schemas.microsoft.com/office/drawing/2010/main" val="0"/>
+              </a:ext>
+            </a:extLst>
+          </a:blip>
+          <a:stretch>
+            <a:fillRect/>
+          </a:stretch>
+        </p:blipFill>
+        <p:spPr>
+          <a:xfrm>
+            <a:off x="6105209" y="1853248"/>
+            <a:ext cx="5440680" cy="3886200"/>
+          </a:xfrm>
+          <a:prstGeom prst="rect">
+            <a:avLst/>
+          </a:prstGeom>
+        </p:spPr>
+      </p:pic>
+    </p:spTree>
+    <p:extLst>
+      <p:ext uri="{BB962C8B-B14F-4D97-AF65-F5344CB8AC3E}">
+        <p14:creationId xmlns:p14="http://schemas.microsoft.com/office/powerpoint/2010/main" val="2416576439"/>
+      </p:ext>
+    </p:extLst>
+  </p:cSld>
+  <p:clrMapOvr>
+    <a:masterClrMapping/>
+  </p:clrMapOvr>
+</p:sld>
+</file>
+
+<file path=ppt/slides/slide9.xml><?xml version="1.0" encoding="utf-8"?>
 <p:sld xmlns:a="http://schemas.openxmlformats.org/drawingml/2006/main" xmlns:r="http://schemas.openxmlformats.org/officeDocument/2006/relationships" xmlns:p="http://schemas.openxmlformats.org/presentationml/2006/main">
   <p:cSld>
     <p:spTree>
@@ -6980,1180 +8232,6 @@
     <p:extLst>
       <p:ext uri="{BB962C8B-B14F-4D97-AF65-F5344CB8AC3E}">
         <p14:creationId xmlns:p14="http://schemas.microsoft.com/office/powerpoint/2010/main" val="399922096"/>
-      </p:ext>
-    </p:extLst>
-  </p:cSld>
-  <p:clrMapOvr>
-    <a:masterClrMapping/>
-  </p:clrMapOvr>
-</p:sld>
-</file>
-
-<file path=ppt/slides/slide13.xml><?xml version="1.0" encoding="utf-8"?>
-<p:sld xmlns:a="http://schemas.openxmlformats.org/drawingml/2006/main" xmlns:r="http://schemas.openxmlformats.org/officeDocument/2006/relationships" xmlns:p="http://schemas.openxmlformats.org/presentationml/2006/main">
-  <p:cSld>
-    <p:spTree>
-      <p:nvGrpSpPr>
-        <p:cNvPr id="1" name=""/>
-        <p:cNvGrpSpPr/>
-        <p:nvPr/>
-      </p:nvGrpSpPr>
-      <p:grpSpPr>
-        <a:xfrm>
-          <a:off x="0" y="0"/>
-          <a:ext cx="0" cy="0"/>
-          <a:chOff x="0" y="0"/>
-          <a:chExt cx="0" cy="0"/>
-        </a:xfrm>
-      </p:grpSpPr>
-      <p:sp>
-        <p:nvSpPr>
-          <p:cNvPr id="2" name="Title 1">
-            <a:extLst>
-              <a:ext uri="{FF2B5EF4-FFF2-40B4-BE49-F238E27FC236}">
-                <a16:creationId xmlns:a16="http://schemas.microsoft.com/office/drawing/2014/main" id="{0FC8D5C7-0022-9AAC-2047-3E962F11E86B}"/>
-              </a:ext>
-            </a:extLst>
-          </p:cNvPr>
-          <p:cNvSpPr>
-            <a:spLocks noGrp="1"/>
-          </p:cNvSpPr>
-          <p:nvPr>
-            <p:ph type="title"/>
-          </p:nvPr>
-        </p:nvSpPr>
-        <p:spPr/>
-        <p:txBody>
-          <a:bodyPr/>
-          <a:lstStyle/>
-          <a:p>
-            <a:r>
-              <a:rPr lang="en-US" dirty="0"/>
-              <a:t>Conclusion &amp; Further Development</a:t>
-            </a:r>
-          </a:p>
-        </p:txBody>
-      </p:sp>
-      <p:sp>
-        <p:nvSpPr>
-          <p:cNvPr id="3" name="Content Placeholder 2">
-            <a:extLst>
-              <a:ext uri="{FF2B5EF4-FFF2-40B4-BE49-F238E27FC236}">
-                <a16:creationId xmlns:a16="http://schemas.microsoft.com/office/drawing/2014/main" id="{D1FD1E46-962E-9B07-E21C-BF3CC4F2F315}"/>
-              </a:ext>
-            </a:extLst>
-          </p:cNvPr>
-          <p:cNvSpPr>
-            <a:spLocks noGrp="1"/>
-          </p:cNvSpPr>
-          <p:nvPr>
-            <p:ph idx="1"/>
-          </p:nvPr>
-        </p:nvSpPr>
-        <p:spPr/>
-        <p:txBody>
-          <a:bodyPr/>
-          <a:lstStyle/>
-          <a:p>
-            <a:r>
-              <a:rPr lang="en-US" dirty="0"/>
-              <a:t>Recurrent Graph Neural Networks predict accurately average speed in sensors.</a:t>
-            </a:r>
-          </a:p>
-          <a:p>
-            <a:r>
-              <a:rPr lang="en-US" dirty="0"/>
-              <a:t>Prediction can be used in route planning to lower traffic congestion.</a:t>
-            </a:r>
-          </a:p>
-          <a:p>
-            <a:r>
-              <a:rPr lang="en-US" dirty="0"/>
-              <a:t>Different sizes and map generations impact results.</a:t>
-            </a:r>
-          </a:p>
-          <a:p>
-            <a:r>
-              <a:rPr lang="en-US" dirty="0"/>
-              <a:t>Other types of map generation can be experimented on.</a:t>
-            </a:r>
-          </a:p>
-          <a:p>
-            <a:r>
-              <a:rPr lang="en-US" dirty="0"/>
-              <a:t>Different cities and models can be experimented on</a:t>
-            </a:r>
-          </a:p>
-        </p:txBody>
-      </p:sp>
-    </p:spTree>
-    <p:extLst>
-      <p:ext uri="{BB962C8B-B14F-4D97-AF65-F5344CB8AC3E}">
-        <p14:creationId xmlns:p14="http://schemas.microsoft.com/office/powerpoint/2010/main" val="1707743646"/>
-      </p:ext>
-    </p:extLst>
-  </p:cSld>
-  <p:clrMapOvr>
-    <a:masterClrMapping/>
-  </p:clrMapOvr>
-</p:sld>
-</file>
-
-<file path=ppt/slides/slide14.xml><?xml version="1.0" encoding="utf-8"?>
-<p:sld xmlns:a="http://schemas.openxmlformats.org/drawingml/2006/main" xmlns:r="http://schemas.openxmlformats.org/officeDocument/2006/relationships" xmlns:p="http://schemas.openxmlformats.org/presentationml/2006/main">
-  <p:cSld>
-    <p:spTree>
-      <p:nvGrpSpPr>
-        <p:cNvPr id="1" name=""/>
-        <p:cNvGrpSpPr/>
-        <p:nvPr/>
-      </p:nvGrpSpPr>
-      <p:grpSpPr>
-        <a:xfrm>
-          <a:off x="0" y="0"/>
-          <a:ext cx="0" cy="0"/>
-          <a:chOff x="0" y="0"/>
-          <a:chExt cx="0" cy="0"/>
-        </a:xfrm>
-      </p:grpSpPr>
-      <p:sp>
-        <p:nvSpPr>
-          <p:cNvPr id="2" name="Title 1">
-            <a:extLst>
-              <a:ext uri="{FF2B5EF4-FFF2-40B4-BE49-F238E27FC236}">
-                <a16:creationId xmlns:a16="http://schemas.microsoft.com/office/drawing/2014/main" id="{03145880-71FD-66C7-0835-F379905D80B4}"/>
-              </a:ext>
-            </a:extLst>
-          </p:cNvPr>
-          <p:cNvSpPr>
-            <a:spLocks noGrp="1"/>
-          </p:cNvSpPr>
-          <p:nvPr>
-            <p:ph type="ctrTitle"/>
-          </p:nvPr>
-        </p:nvSpPr>
-        <p:spPr>
-          <a:xfrm>
-            <a:off x="1154955" y="1447801"/>
-            <a:ext cx="9617820" cy="2276474"/>
-          </a:xfrm>
-        </p:spPr>
-        <p:txBody>
-          <a:bodyPr/>
-          <a:lstStyle/>
-          <a:p>
-            <a:r>
-              <a:rPr lang="en-US" dirty="0"/>
-              <a:t>Questions &amp; Answers.</a:t>
-            </a:r>
-          </a:p>
-        </p:txBody>
-      </p:sp>
-      <p:sp>
-        <p:nvSpPr>
-          <p:cNvPr id="3" name="Subtitle 2">
-            <a:extLst>
-              <a:ext uri="{FF2B5EF4-FFF2-40B4-BE49-F238E27FC236}">
-                <a16:creationId xmlns:a16="http://schemas.microsoft.com/office/drawing/2014/main" id="{80D561AF-8A5F-370B-F9BE-B8B2E381D21C}"/>
-              </a:ext>
-            </a:extLst>
-          </p:cNvPr>
-          <p:cNvSpPr>
-            <a:spLocks noGrp="1"/>
-          </p:cNvSpPr>
-          <p:nvPr>
-            <p:ph type="subTitle" idx="1"/>
-          </p:nvPr>
-        </p:nvSpPr>
-        <p:spPr/>
-        <p:txBody>
-          <a:bodyPr/>
-          <a:lstStyle/>
-          <a:p>
-            <a:endParaRPr lang="en-US" dirty="0"/>
-          </a:p>
-        </p:txBody>
-      </p:sp>
-    </p:spTree>
-    <p:extLst>
-      <p:ext uri="{BB962C8B-B14F-4D97-AF65-F5344CB8AC3E}">
-        <p14:creationId xmlns:p14="http://schemas.microsoft.com/office/powerpoint/2010/main" val="539253253"/>
-      </p:ext>
-    </p:extLst>
-  </p:cSld>
-  <p:clrMapOvr>
-    <a:masterClrMapping/>
-  </p:clrMapOvr>
-</p:sld>
-</file>
-
-<file path=ppt/slides/slide2.xml><?xml version="1.0" encoding="utf-8"?>
-<p:sld xmlns:a="http://schemas.openxmlformats.org/drawingml/2006/main" xmlns:r="http://schemas.openxmlformats.org/officeDocument/2006/relationships" xmlns:p="http://schemas.openxmlformats.org/presentationml/2006/main">
-  <p:cSld>
-    <p:spTree>
-      <p:nvGrpSpPr>
-        <p:cNvPr id="1" name=""/>
-        <p:cNvGrpSpPr/>
-        <p:nvPr/>
-      </p:nvGrpSpPr>
-      <p:grpSpPr>
-        <a:xfrm>
-          <a:off x="0" y="0"/>
-          <a:ext cx="0" cy="0"/>
-          <a:chOff x="0" y="0"/>
-          <a:chExt cx="0" cy="0"/>
-        </a:xfrm>
-      </p:grpSpPr>
-      <p:sp>
-        <p:nvSpPr>
-          <p:cNvPr id="2" name="Title 1">
-            <a:extLst>
-              <a:ext uri="{FF2B5EF4-FFF2-40B4-BE49-F238E27FC236}">
-                <a16:creationId xmlns:a16="http://schemas.microsoft.com/office/drawing/2014/main" id="{03C92989-A371-C008-D083-D9A2AC59BCB8}"/>
-              </a:ext>
-            </a:extLst>
-          </p:cNvPr>
-          <p:cNvSpPr>
-            <a:spLocks noGrp="1"/>
-          </p:cNvSpPr>
-          <p:nvPr>
-            <p:ph type="title"/>
-          </p:nvPr>
-        </p:nvSpPr>
-        <p:spPr/>
-        <p:txBody>
-          <a:bodyPr/>
-          <a:lstStyle/>
-          <a:p>
-            <a:r>
-              <a:rPr lang="en-US" dirty="0"/>
-              <a:t>Traffic</a:t>
-            </a:r>
-          </a:p>
-        </p:txBody>
-      </p:sp>
-      <p:sp>
-        <p:nvSpPr>
-          <p:cNvPr id="3" name="Content Placeholder 2">
-            <a:extLst>
-              <a:ext uri="{FF2B5EF4-FFF2-40B4-BE49-F238E27FC236}">
-                <a16:creationId xmlns:a16="http://schemas.microsoft.com/office/drawing/2014/main" id="{4D7EE184-D679-AB87-4CFC-8AAFF5F52B60}"/>
-              </a:ext>
-            </a:extLst>
-          </p:cNvPr>
-          <p:cNvSpPr>
-            <a:spLocks noGrp="1"/>
-          </p:cNvSpPr>
-          <p:nvPr>
-            <p:ph idx="1"/>
-          </p:nvPr>
-        </p:nvSpPr>
-        <p:spPr/>
-        <p:txBody>
-          <a:bodyPr/>
-          <a:lstStyle/>
-          <a:p>
-            <a:r>
-              <a:rPr lang="en-US" dirty="0"/>
-              <a:t>The traffic system is composed of roads or the pavement on which the participants in traffic travel at a certain speed to reach their individual goals. </a:t>
-            </a:r>
-          </a:p>
-          <a:p>
-            <a:r>
-              <a:rPr lang="en-US" dirty="0"/>
-              <a:t>Participants in traffic are pedestrians and vehicles.</a:t>
-            </a:r>
-          </a:p>
-          <a:p>
-            <a:r>
-              <a:rPr lang="en-US" dirty="0"/>
-              <a:t>Each participant has its own destination.</a:t>
-            </a:r>
-          </a:p>
-          <a:p>
-            <a:r>
-              <a:rPr lang="en-US" dirty="0"/>
-              <a:t>Traffic networks are complex and nonlinear, depending on multiple external factors.</a:t>
-            </a:r>
-          </a:p>
-          <a:p>
-            <a:r>
-              <a:rPr lang="en-US" dirty="0"/>
-              <a:t>The main variables that are considered in traffic flow theory are density, speed, and flow.</a:t>
-            </a:r>
-          </a:p>
-        </p:txBody>
-      </p:sp>
-    </p:spTree>
-    <p:extLst>
-      <p:ext uri="{BB962C8B-B14F-4D97-AF65-F5344CB8AC3E}">
-        <p14:creationId xmlns:p14="http://schemas.microsoft.com/office/powerpoint/2010/main" val="2296995659"/>
-      </p:ext>
-    </p:extLst>
-  </p:cSld>
-  <p:clrMapOvr>
-    <a:masterClrMapping/>
-  </p:clrMapOvr>
-</p:sld>
-</file>
-
-<file path=ppt/slides/slide3.xml><?xml version="1.0" encoding="utf-8"?>
-<p:sld xmlns:a="http://schemas.openxmlformats.org/drawingml/2006/main" xmlns:r="http://schemas.openxmlformats.org/officeDocument/2006/relationships" xmlns:p="http://schemas.openxmlformats.org/presentationml/2006/main">
-  <p:cSld>
-    <p:spTree>
-      <p:nvGrpSpPr>
-        <p:cNvPr id="1" name=""/>
-        <p:cNvGrpSpPr/>
-        <p:nvPr/>
-      </p:nvGrpSpPr>
-      <p:grpSpPr>
-        <a:xfrm>
-          <a:off x="0" y="0"/>
-          <a:ext cx="0" cy="0"/>
-          <a:chOff x="0" y="0"/>
-          <a:chExt cx="0" cy="0"/>
-        </a:xfrm>
-      </p:grpSpPr>
-      <p:sp>
-        <p:nvSpPr>
-          <p:cNvPr id="2" name="Title 1">
-            <a:extLst>
-              <a:ext uri="{FF2B5EF4-FFF2-40B4-BE49-F238E27FC236}">
-                <a16:creationId xmlns:a16="http://schemas.microsoft.com/office/drawing/2014/main" id="{C0234AED-5C8E-16A6-7EED-D1BC632B461C}"/>
-              </a:ext>
-            </a:extLst>
-          </p:cNvPr>
-          <p:cNvSpPr>
-            <a:spLocks noGrp="1"/>
-          </p:cNvSpPr>
-          <p:nvPr>
-            <p:ph type="title"/>
-          </p:nvPr>
-        </p:nvSpPr>
-        <p:spPr/>
-        <p:txBody>
-          <a:bodyPr/>
-          <a:lstStyle/>
-          <a:p>
-            <a:r>
-              <a:rPr lang="en-US" dirty="0"/>
-              <a:t>The problem</a:t>
-            </a:r>
-          </a:p>
-        </p:txBody>
-      </p:sp>
-      <p:sp>
-        <p:nvSpPr>
-          <p:cNvPr id="3" name="Content Placeholder 2">
-            <a:extLst>
-              <a:ext uri="{FF2B5EF4-FFF2-40B4-BE49-F238E27FC236}">
-                <a16:creationId xmlns:a16="http://schemas.microsoft.com/office/drawing/2014/main" id="{817819F9-6BF9-1B01-34B7-CAE427534067}"/>
-              </a:ext>
-            </a:extLst>
-          </p:cNvPr>
-          <p:cNvSpPr>
-            <a:spLocks noGrp="1"/>
-          </p:cNvSpPr>
-          <p:nvPr>
-            <p:ph idx="1"/>
-          </p:nvPr>
-        </p:nvSpPr>
-        <p:spPr/>
-        <p:txBody>
-          <a:bodyPr/>
-          <a:lstStyle/>
-          <a:p>
-            <a:r>
-              <a:rPr lang="en-US" dirty="0"/>
-              <a:t>Traffic is getting heavier as time passes by and cities population increases.</a:t>
-            </a:r>
-          </a:p>
-          <a:p>
-            <a:r>
-              <a:rPr lang="en-US" dirty="0"/>
-              <a:t>Densely populated cities have the worst congestion times.</a:t>
-            </a:r>
-          </a:p>
-          <a:p>
-            <a:r>
-              <a:rPr lang="en-US" dirty="0"/>
-              <a:t>As of 2022, Bucharest is ranked the 8</a:t>
-            </a:r>
-            <a:r>
-              <a:rPr lang="en-US" baseline="30000" dirty="0"/>
-              <a:t>th</a:t>
-            </a:r>
-            <a:r>
-              <a:rPr lang="en-US" dirty="0"/>
-              <a:t> worst congested city in the world.</a:t>
-            </a:r>
-          </a:p>
-          <a:p>
-            <a:r>
-              <a:rPr lang="en-US" dirty="0"/>
-              <a:t>A study showed that a person driving in New York City has to spend on average 92 hours a year in traffic.</a:t>
-            </a:r>
-          </a:p>
-        </p:txBody>
-      </p:sp>
-    </p:spTree>
-    <p:extLst>
-      <p:ext uri="{BB962C8B-B14F-4D97-AF65-F5344CB8AC3E}">
-        <p14:creationId xmlns:p14="http://schemas.microsoft.com/office/powerpoint/2010/main" val="2367363976"/>
-      </p:ext>
-    </p:extLst>
-  </p:cSld>
-  <p:clrMapOvr>
-    <a:masterClrMapping/>
-  </p:clrMapOvr>
-</p:sld>
-</file>
-
-<file path=ppt/slides/slide4.xml><?xml version="1.0" encoding="utf-8"?>
-<p:sld xmlns:a="http://schemas.openxmlformats.org/drawingml/2006/main" xmlns:r="http://schemas.openxmlformats.org/officeDocument/2006/relationships" xmlns:p="http://schemas.openxmlformats.org/presentationml/2006/main">
-  <p:cSld>
-    <p:spTree>
-      <p:nvGrpSpPr>
-        <p:cNvPr id="1" name=""/>
-        <p:cNvGrpSpPr/>
-        <p:nvPr/>
-      </p:nvGrpSpPr>
-      <p:grpSpPr>
-        <a:xfrm>
-          <a:off x="0" y="0"/>
-          <a:ext cx="0" cy="0"/>
-          <a:chOff x="0" y="0"/>
-          <a:chExt cx="0" cy="0"/>
-        </a:xfrm>
-      </p:grpSpPr>
-      <p:sp>
-        <p:nvSpPr>
-          <p:cNvPr id="2" name="Title 1">
-            <a:extLst>
-              <a:ext uri="{FF2B5EF4-FFF2-40B4-BE49-F238E27FC236}">
-                <a16:creationId xmlns:a16="http://schemas.microsoft.com/office/drawing/2014/main" id="{FAFCFFC3-661C-20E0-46F0-DC774E057C92}"/>
-              </a:ext>
-            </a:extLst>
-          </p:cNvPr>
-          <p:cNvSpPr>
-            <a:spLocks noGrp="1"/>
-          </p:cNvSpPr>
-          <p:nvPr>
-            <p:ph type="title"/>
-          </p:nvPr>
-        </p:nvSpPr>
-        <p:spPr/>
-        <p:txBody>
-          <a:bodyPr/>
-          <a:lstStyle/>
-          <a:p>
-            <a:r>
-              <a:rPr lang="en-US" dirty="0"/>
-              <a:t>Motivation</a:t>
-            </a:r>
-          </a:p>
-        </p:txBody>
-      </p:sp>
-      <p:sp>
-        <p:nvSpPr>
-          <p:cNvPr id="3" name="Content Placeholder 2">
-            <a:extLst>
-              <a:ext uri="{FF2B5EF4-FFF2-40B4-BE49-F238E27FC236}">
-                <a16:creationId xmlns:a16="http://schemas.microsoft.com/office/drawing/2014/main" id="{AEB2B7A5-CE01-0F98-D1AC-403B6BCF8E5A}"/>
-              </a:ext>
-            </a:extLst>
-          </p:cNvPr>
-          <p:cNvSpPr>
-            <a:spLocks noGrp="1"/>
-          </p:cNvSpPr>
-          <p:nvPr>
-            <p:ph idx="1"/>
-          </p:nvPr>
-        </p:nvSpPr>
-        <p:spPr/>
-        <p:txBody>
-          <a:bodyPr/>
-          <a:lstStyle/>
-          <a:p>
-            <a:r>
-              <a:rPr lang="en-US" dirty="0"/>
-              <a:t>Lower congestion brings the following benefits:</a:t>
-            </a:r>
-          </a:p>
-          <a:p>
-            <a:pPr lvl="1"/>
-            <a:r>
-              <a:rPr lang="en-US" dirty="0"/>
-              <a:t>Fewer accidents and safer roads.</a:t>
-            </a:r>
-          </a:p>
-          <a:p>
-            <a:pPr lvl="1"/>
-            <a:r>
-              <a:rPr lang="en-US" dirty="0"/>
-              <a:t>Reduced pollution.</a:t>
-            </a:r>
-          </a:p>
-          <a:p>
-            <a:pPr lvl="1"/>
-            <a:r>
-              <a:rPr lang="en-US" dirty="0"/>
-              <a:t>Reduced wasted time.</a:t>
-            </a:r>
-          </a:p>
-          <a:p>
-            <a:pPr lvl="1"/>
-            <a:r>
-              <a:rPr lang="en-US" dirty="0"/>
-              <a:t>Free flow attracts investors, boosting the economy.</a:t>
-            </a:r>
-          </a:p>
-          <a:p>
-            <a:pPr lvl="1"/>
-            <a:r>
-              <a:rPr lang="en-US" dirty="0"/>
-              <a:t>Reduced stress and anxiety.</a:t>
-            </a:r>
-          </a:p>
-        </p:txBody>
-      </p:sp>
-    </p:spTree>
-    <p:extLst>
-      <p:ext uri="{BB962C8B-B14F-4D97-AF65-F5344CB8AC3E}">
-        <p14:creationId xmlns:p14="http://schemas.microsoft.com/office/powerpoint/2010/main" val="1682948613"/>
-      </p:ext>
-    </p:extLst>
-  </p:cSld>
-  <p:clrMapOvr>
-    <a:masterClrMapping/>
-  </p:clrMapOvr>
-</p:sld>
-</file>
-
-<file path=ppt/slides/slide5.xml><?xml version="1.0" encoding="utf-8"?>
-<p:sld xmlns:a="http://schemas.openxmlformats.org/drawingml/2006/main" xmlns:r="http://schemas.openxmlformats.org/officeDocument/2006/relationships" xmlns:p="http://schemas.openxmlformats.org/presentationml/2006/main">
-  <p:cSld>
-    <p:spTree>
-      <p:nvGrpSpPr>
-        <p:cNvPr id="1" name=""/>
-        <p:cNvGrpSpPr/>
-        <p:nvPr/>
-      </p:nvGrpSpPr>
-      <p:grpSpPr>
-        <a:xfrm>
-          <a:off x="0" y="0"/>
-          <a:ext cx="0" cy="0"/>
-          <a:chOff x="0" y="0"/>
-          <a:chExt cx="0" cy="0"/>
-        </a:xfrm>
-      </p:grpSpPr>
-      <p:sp>
-        <p:nvSpPr>
-          <p:cNvPr id="2" name="Title 1">
-            <a:extLst>
-              <a:ext uri="{FF2B5EF4-FFF2-40B4-BE49-F238E27FC236}">
-                <a16:creationId xmlns:a16="http://schemas.microsoft.com/office/drawing/2014/main" id="{7E77FD69-3712-4520-30EA-D10B7E02F6C8}"/>
-              </a:ext>
-            </a:extLst>
-          </p:cNvPr>
-          <p:cNvSpPr>
-            <a:spLocks noGrp="1"/>
-          </p:cNvSpPr>
-          <p:nvPr>
-            <p:ph type="title"/>
-          </p:nvPr>
-        </p:nvSpPr>
-        <p:spPr/>
-        <p:txBody>
-          <a:bodyPr/>
-          <a:lstStyle/>
-          <a:p>
-            <a:r>
-              <a:rPr lang="en-US" dirty="0"/>
-              <a:t>Traffic Optimization</a:t>
-            </a:r>
-          </a:p>
-        </p:txBody>
-      </p:sp>
-      <p:sp>
-        <p:nvSpPr>
-          <p:cNvPr id="3" name="Content Placeholder 2">
-            <a:extLst>
-              <a:ext uri="{FF2B5EF4-FFF2-40B4-BE49-F238E27FC236}">
-                <a16:creationId xmlns:a16="http://schemas.microsoft.com/office/drawing/2014/main" id="{1C3BDFD3-1149-BED0-83DB-FFF58CFB63B0}"/>
-              </a:ext>
-            </a:extLst>
-          </p:cNvPr>
-          <p:cNvSpPr>
-            <a:spLocks noGrp="1"/>
-          </p:cNvSpPr>
-          <p:nvPr>
-            <p:ph idx="1"/>
-          </p:nvPr>
-        </p:nvSpPr>
-        <p:spPr/>
-        <p:txBody>
-          <a:bodyPr/>
-          <a:lstStyle/>
-          <a:p>
-            <a:r>
-              <a:rPr lang="en-US" dirty="0"/>
-              <a:t>Traffic congestion can be optimized by lowering congestion. This can be done in multiple ways:</a:t>
-            </a:r>
-          </a:p>
-          <a:p>
-            <a:pPr lvl="1"/>
-            <a:r>
-              <a:rPr lang="en-US" dirty="0"/>
-              <a:t>Better infrastructure.</a:t>
-            </a:r>
-          </a:p>
-          <a:p>
-            <a:pPr lvl="1"/>
-            <a:r>
-              <a:rPr lang="en-US" dirty="0"/>
-              <a:t>Smaller vehicles such as bicycles or motorbikes.</a:t>
-            </a:r>
-          </a:p>
-          <a:p>
-            <a:pPr lvl="1"/>
-            <a:r>
-              <a:rPr lang="en-US" dirty="0"/>
-              <a:t>More people in a single vehicle, such as public transportation.</a:t>
-            </a:r>
-          </a:p>
-          <a:p>
-            <a:pPr lvl="1"/>
-            <a:r>
-              <a:rPr lang="en-US" dirty="0"/>
-              <a:t>Supervised traffic systems such as the metro system.</a:t>
-            </a:r>
-          </a:p>
-          <a:p>
-            <a:pPr lvl="1"/>
-            <a:r>
-              <a:rPr lang="en-US" dirty="0"/>
-              <a:t>Better route planning for individual vehicles.</a:t>
-            </a:r>
-          </a:p>
-        </p:txBody>
-      </p:sp>
-    </p:spTree>
-    <p:extLst>
-      <p:ext uri="{BB962C8B-B14F-4D97-AF65-F5344CB8AC3E}">
-        <p14:creationId xmlns:p14="http://schemas.microsoft.com/office/powerpoint/2010/main" val="4206690869"/>
-      </p:ext>
-    </p:extLst>
-  </p:cSld>
-  <p:clrMapOvr>
-    <a:masterClrMapping/>
-  </p:clrMapOvr>
-</p:sld>
-</file>
-
-<file path=ppt/slides/slide6.xml><?xml version="1.0" encoding="utf-8"?>
-<p:sld xmlns:a="http://schemas.openxmlformats.org/drawingml/2006/main" xmlns:r="http://schemas.openxmlformats.org/officeDocument/2006/relationships" xmlns:p="http://schemas.openxmlformats.org/presentationml/2006/main">
-  <p:cSld>
-    <p:spTree>
-      <p:nvGrpSpPr>
-        <p:cNvPr id="1" name=""/>
-        <p:cNvGrpSpPr/>
-        <p:nvPr/>
-      </p:nvGrpSpPr>
-      <p:grpSpPr>
-        <a:xfrm>
-          <a:off x="0" y="0"/>
-          <a:ext cx="0" cy="0"/>
-          <a:chOff x="0" y="0"/>
-          <a:chExt cx="0" cy="0"/>
-        </a:xfrm>
-      </p:grpSpPr>
-      <p:sp>
-        <p:nvSpPr>
-          <p:cNvPr id="2" name="Title 1">
-            <a:extLst>
-              <a:ext uri="{FF2B5EF4-FFF2-40B4-BE49-F238E27FC236}">
-                <a16:creationId xmlns:a16="http://schemas.microsoft.com/office/drawing/2014/main" id="{0E4BA195-7D23-EAA5-A49C-85296B6519AA}"/>
-              </a:ext>
-            </a:extLst>
-          </p:cNvPr>
-          <p:cNvSpPr>
-            <a:spLocks noGrp="1"/>
-          </p:cNvSpPr>
-          <p:nvPr>
-            <p:ph type="title"/>
-          </p:nvPr>
-        </p:nvSpPr>
-        <p:spPr/>
-        <p:txBody>
-          <a:bodyPr/>
-          <a:lstStyle/>
-          <a:p>
-            <a:r>
-              <a:rPr lang="en-US" dirty="0"/>
-              <a:t>A.I. in Traffic Systems</a:t>
-            </a:r>
-          </a:p>
-        </p:txBody>
-      </p:sp>
-      <p:sp>
-        <p:nvSpPr>
-          <p:cNvPr id="3" name="Content Placeholder 2">
-            <a:extLst>
-              <a:ext uri="{FF2B5EF4-FFF2-40B4-BE49-F238E27FC236}">
-                <a16:creationId xmlns:a16="http://schemas.microsoft.com/office/drawing/2014/main" id="{D8CEF685-EC52-58E0-137B-30645460C816}"/>
-              </a:ext>
-            </a:extLst>
-          </p:cNvPr>
-          <p:cNvSpPr>
-            <a:spLocks noGrp="1"/>
-          </p:cNvSpPr>
-          <p:nvPr>
-            <p:ph idx="1"/>
-          </p:nvPr>
-        </p:nvSpPr>
-        <p:spPr/>
-        <p:txBody>
-          <a:bodyPr/>
-          <a:lstStyle/>
-          <a:p>
-            <a:r>
-              <a:rPr lang="en-US" dirty="0"/>
-              <a:t>Modern applications in route planning relies on user input for prediction.</a:t>
-            </a:r>
-          </a:p>
-          <a:p>
-            <a:r>
-              <a:rPr lang="en-US" dirty="0"/>
-              <a:t>Neural Networks can be used to predict average speed or waiting times without user input and ahead of time.</a:t>
-            </a:r>
-          </a:p>
-          <a:p>
-            <a:r>
-              <a:rPr lang="en-US" dirty="0"/>
-              <a:t>Graph Neural Networks are good at using graphs as a spatial dependency.</a:t>
-            </a:r>
-          </a:p>
-          <a:p>
-            <a:r>
-              <a:rPr lang="en-US" dirty="0"/>
-              <a:t>Recurrent Neural Networks are good at resolving temporal dependencies.</a:t>
-            </a:r>
-          </a:p>
-        </p:txBody>
-      </p:sp>
-    </p:spTree>
-    <p:extLst>
-      <p:ext uri="{BB962C8B-B14F-4D97-AF65-F5344CB8AC3E}">
-        <p14:creationId xmlns:p14="http://schemas.microsoft.com/office/powerpoint/2010/main" val="2997874398"/>
-      </p:ext>
-    </p:extLst>
-  </p:cSld>
-  <p:clrMapOvr>
-    <a:masterClrMapping/>
-  </p:clrMapOvr>
-</p:sld>
-</file>
-
-<file path=ppt/slides/slide7.xml><?xml version="1.0" encoding="utf-8"?>
-<p:sld xmlns:a="http://schemas.openxmlformats.org/drawingml/2006/main" xmlns:r="http://schemas.openxmlformats.org/officeDocument/2006/relationships" xmlns:p="http://schemas.openxmlformats.org/presentationml/2006/main">
-  <p:cSld>
-    <p:spTree>
-      <p:nvGrpSpPr>
-        <p:cNvPr id="1" name=""/>
-        <p:cNvGrpSpPr/>
-        <p:nvPr/>
-      </p:nvGrpSpPr>
-      <p:grpSpPr>
-        <a:xfrm>
-          <a:off x="0" y="0"/>
-          <a:ext cx="0" cy="0"/>
-          <a:chOff x="0" y="0"/>
-          <a:chExt cx="0" cy="0"/>
-        </a:xfrm>
-      </p:grpSpPr>
-      <p:sp>
-        <p:nvSpPr>
-          <p:cNvPr id="2" name="Title 1">
-            <a:extLst>
-              <a:ext uri="{FF2B5EF4-FFF2-40B4-BE49-F238E27FC236}">
-                <a16:creationId xmlns:a16="http://schemas.microsoft.com/office/drawing/2014/main" id="{CA43D279-7119-FB15-4837-AB0328528B0C}"/>
-              </a:ext>
-            </a:extLst>
-          </p:cNvPr>
-          <p:cNvSpPr>
-            <a:spLocks noGrp="1"/>
-          </p:cNvSpPr>
-          <p:nvPr>
-            <p:ph type="title"/>
-          </p:nvPr>
-        </p:nvSpPr>
-        <p:spPr/>
-        <p:txBody>
-          <a:bodyPr/>
-          <a:lstStyle/>
-          <a:p>
-            <a:r>
-              <a:rPr lang="en-US" dirty="0"/>
-              <a:t>A solution</a:t>
-            </a:r>
-          </a:p>
-        </p:txBody>
-      </p:sp>
-      <p:sp>
-        <p:nvSpPr>
-          <p:cNvPr id="3" name="Content Placeholder 2">
-            <a:extLst>
-              <a:ext uri="{FF2B5EF4-FFF2-40B4-BE49-F238E27FC236}">
-                <a16:creationId xmlns:a16="http://schemas.microsoft.com/office/drawing/2014/main" id="{68530A6A-2F75-64AF-D30E-44C05A0D98C3}"/>
-              </a:ext>
-            </a:extLst>
-          </p:cNvPr>
-          <p:cNvSpPr>
-            <a:spLocks noGrp="1"/>
-          </p:cNvSpPr>
-          <p:nvPr>
-            <p:ph idx="1"/>
-          </p:nvPr>
-        </p:nvSpPr>
-        <p:spPr/>
-        <p:txBody>
-          <a:bodyPr/>
-          <a:lstStyle/>
-          <a:p>
-            <a:r>
-              <a:rPr lang="en-US" dirty="0"/>
-              <a:t>Predicting average speeds at key points in a city.</a:t>
-            </a:r>
-          </a:p>
-          <a:p>
-            <a:r>
-              <a:rPr lang="en-US" dirty="0"/>
-              <a:t>Using Recurrent Graph Neural Networks for prediction.</a:t>
-            </a:r>
-          </a:p>
-          <a:p>
-            <a:r>
-              <a:rPr lang="en-US" dirty="0"/>
-              <a:t>Using manual or generated maps as graphs for the models.</a:t>
-            </a:r>
-          </a:p>
-          <a:p>
-            <a:r>
-              <a:rPr lang="en-US" dirty="0"/>
-              <a:t>Experiment with different-sized graphs of intersections or the entire city.</a:t>
-            </a:r>
-          </a:p>
-          <a:p>
-            <a:r>
-              <a:rPr lang="en-US" dirty="0"/>
-              <a:t>Experiment with different map configurations.</a:t>
-            </a:r>
-          </a:p>
-          <a:p>
-            <a:r>
-              <a:rPr lang="en-US" dirty="0"/>
-              <a:t>Multiple GNN models and statistical models</a:t>
-            </a:r>
-          </a:p>
-        </p:txBody>
-      </p:sp>
-    </p:spTree>
-    <p:extLst>
-      <p:ext uri="{BB962C8B-B14F-4D97-AF65-F5344CB8AC3E}">
-        <p14:creationId xmlns:p14="http://schemas.microsoft.com/office/powerpoint/2010/main" val="3163742866"/>
-      </p:ext>
-    </p:extLst>
-  </p:cSld>
-  <p:clrMapOvr>
-    <a:masterClrMapping/>
-  </p:clrMapOvr>
-</p:sld>
-</file>
-
-<file path=ppt/slides/slide8.xml><?xml version="1.0" encoding="utf-8"?>
-<p:sld xmlns:a="http://schemas.openxmlformats.org/drawingml/2006/main" xmlns:r="http://schemas.openxmlformats.org/officeDocument/2006/relationships" xmlns:p="http://schemas.openxmlformats.org/presentationml/2006/main">
-  <p:cSld>
-    <p:spTree>
-      <p:nvGrpSpPr>
-        <p:cNvPr id="1" name=""/>
-        <p:cNvGrpSpPr/>
-        <p:nvPr/>
-      </p:nvGrpSpPr>
-      <p:grpSpPr>
-        <a:xfrm>
-          <a:off x="0" y="0"/>
-          <a:ext cx="0" cy="0"/>
-          <a:chOff x="0" y="0"/>
-          <a:chExt cx="0" cy="0"/>
-        </a:xfrm>
-      </p:grpSpPr>
-      <p:sp>
-        <p:nvSpPr>
-          <p:cNvPr id="2" name="Title 1">
-            <a:extLst>
-              <a:ext uri="{FF2B5EF4-FFF2-40B4-BE49-F238E27FC236}">
-                <a16:creationId xmlns:a16="http://schemas.microsoft.com/office/drawing/2014/main" id="{08427476-8520-7784-5167-61F56ADC6185}"/>
-              </a:ext>
-            </a:extLst>
-          </p:cNvPr>
-          <p:cNvSpPr>
-            <a:spLocks noGrp="1"/>
-          </p:cNvSpPr>
-          <p:nvPr>
-            <p:ph type="title"/>
-          </p:nvPr>
-        </p:nvSpPr>
-        <p:spPr/>
-        <p:txBody>
-          <a:bodyPr/>
-          <a:lstStyle/>
-          <a:p>
-            <a:r>
-              <a:rPr lang="en-US" dirty="0"/>
-              <a:t>Project Data</a:t>
-            </a:r>
-          </a:p>
-        </p:txBody>
-      </p:sp>
-      <p:sp>
-        <p:nvSpPr>
-          <p:cNvPr id="3" name="Content Placeholder 2">
-            <a:extLst>
-              <a:ext uri="{FF2B5EF4-FFF2-40B4-BE49-F238E27FC236}">
-                <a16:creationId xmlns:a16="http://schemas.microsoft.com/office/drawing/2014/main" id="{E290FB96-D37F-711A-7055-DFF1CE9A60F9}"/>
-              </a:ext>
-            </a:extLst>
-          </p:cNvPr>
-          <p:cNvSpPr>
-            <a:spLocks noGrp="1"/>
-          </p:cNvSpPr>
-          <p:nvPr>
-            <p:ph idx="1"/>
-          </p:nvPr>
-        </p:nvSpPr>
-        <p:spPr>
-          <a:xfrm>
-            <a:off x="1103312" y="2052918"/>
-            <a:ext cx="4750641" cy="4195481"/>
-          </a:xfrm>
-        </p:spPr>
-        <p:txBody>
-          <a:bodyPr/>
-          <a:lstStyle/>
-          <a:p>
-            <a:r>
-              <a:rPr lang="en-US" dirty="0"/>
-              <a:t>Sensor nodes from the traffic of Los Angeles for July 2021.</a:t>
-            </a:r>
-          </a:p>
-          <a:p>
-            <a:r>
-              <a:rPr lang="en-US" dirty="0"/>
-              <a:t>2800 individual sensors.</a:t>
-            </a:r>
-          </a:p>
-          <a:p>
-            <a:r>
-              <a:rPr lang="en-US" dirty="0"/>
-              <a:t>Aggregate data every 5 minutes.</a:t>
-            </a:r>
-          </a:p>
-          <a:p>
-            <a:r>
-              <a:rPr lang="en-US" dirty="0"/>
-              <a:t>Predict only weekdays.</a:t>
-            </a:r>
-          </a:p>
-          <a:p>
-            <a:r>
-              <a:rPr lang="en-US" dirty="0"/>
-              <a:t>Key points are </a:t>
-            </a:r>
-            <a:r>
-              <a:rPr lang="en-US" dirty="0" err="1"/>
-              <a:t>downton</a:t>
-            </a:r>
-            <a:r>
-              <a:rPr lang="en-US" dirty="0"/>
-              <a:t> intersections</a:t>
-            </a:r>
-          </a:p>
-        </p:txBody>
-      </p:sp>
-      <p:pic>
-        <p:nvPicPr>
-          <p:cNvPr id="5" name="Picture 4">
-            <a:extLst>
-              <a:ext uri="{FF2B5EF4-FFF2-40B4-BE49-F238E27FC236}">
-                <a16:creationId xmlns:a16="http://schemas.microsoft.com/office/drawing/2014/main" id="{B54C769B-07D5-83E9-4C5C-834CF3D7456A}"/>
-              </a:ext>
-            </a:extLst>
-          </p:cNvPr>
-          <p:cNvPicPr>
-            <a:picLocks noChangeAspect="1"/>
-          </p:cNvPicPr>
-          <p:nvPr/>
-        </p:nvPicPr>
-        <p:blipFill>
-          <a:blip r:embed="rId2">
-            <a:extLst>
-              <a:ext uri="{28A0092B-C50C-407E-A947-70E740481C1C}">
-                <a14:useLocalDpi xmlns:a14="http://schemas.microsoft.com/office/drawing/2010/main" val="0"/>
-              </a:ext>
-            </a:extLst>
-          </a:blip>
-          <a:stretch>
-            <a:fillRect/>
-          </a:stretch>
-        </p:blipFill>
-        <p:spPr>
-          <a:xfrm>
-            <a:off x="6096000" y="1959394"/>
-            <a:ext cx="4866715" cy="3476225"/>
-          </a:xfrm>
-          <a:prstGeom prst="rect">
-            <a:avLst/>
-          </a:prstGeom>
-        </p:spPr>
-      </p:pic>
-    </p:spTree>
-    <p:extLst>
-      <p:ext uri="{BB962C8B-B14F-4D97-AF65-F5344CB8AC3E}">
-        <p14:creationId xmlns:p14="http://schemas.microsoft.com/office/powerpoint/2010/main" val="2203149143"/>
-      </p:ext>
-    </p:extLst>
-  </p:cSld>
-  <p:clrMapOvr>
-    <a:masterClrMapping/>
-  </p:clrMapOvr>
-</p:sld>
-</file>
-
-<file path=ppt/slides/slide9.xml><?xml version="1.0" encoding="utf-8"?>
-<p:sld xmlns:a="http://schemas.openxmlformats.org/drawingml/2006/main" xmlns:r="http://schemas.openxmlformats.org/officeDocument/2006/relationships" xmlns:p="http://schemas.openxmlformats.org/presentationml/2006/main">
-  <p:cSld>
-    <p:spTree>
-      <p:nvGrpSpPr>
-        <p:cNvPr id="1" name=""/>
-        <p:cNvGrpSpPr/>
-        <p:nvPr/>
-      </p:nvGrpSpPr>
-      <p:grpSpPr>
-        <a:xfrm>
-          <a:off x="0" y="0"/>
-          <a:ext cx="0" cy="0"/>
-          <a:chOff x="0" y="0"/>
-          <a:chExt cx="0" cy="0"/>
-        </a:xfrm>
-      </p:grpSpPr>
-      <p:sp>
-        <p:nvSpPr>
-          <p:cNvPr id="2" name="Title 1">
-            <a:extLst>
-              <a:ext uri="{FF2B5EF4-FFF2-40B4-BE49-F238E27FC236}">
-                <a16:creationId xmlns:a16="http://schemas.microsoft.com/office/drawing/2014/main" id="{DE673304-DD24-DECB-3817-20C4DB5DA6E8}"/>
-              </a:ext>
-            </a:extLst>
-          </p:cNvPr>
-          <p:cNvSpPr>
-            <a:spLocks noGrp="1"/>
-          </p:cNvSpPr>
-          <p:nvPr>
-            <p:ph type="title"/>
-          </p:nvPr>
-        </p:nvSpPr>
-        <p:spPr/>
-        <p:txBody>
-          <a:bodyPr/>
-          <a:lstStyle/>
-          <a:p>
-            <a:r>
-              <a:rPr lang="en-US" dirty="0"/>
-              <a:t>Map Generation</a:t>
-            </a:r>
-          </a:p>
-        </p:txBody>
-      </p:sp>
-      <p:sp>
-        <p:nvSpPr>
-          <p:cNvPr id="3" name="Content Placeholder 2">
-            <a:extLst>
-              <a:ext uri="{FF2B5EF4-FFF2-40B4-BE49-F238E27FC236}">
-                <a16:creationId xmlns:a16="http://schemas.microsoft.com/office/drawing/2014/main" id="{7B5DB5E5-C267-2F2B-0725-F8526645B6B7}"/>
-              </a:ext>
-            </a:extLst>
-          </p:cNvPr>
-          <p:cNvSpPr>
-            <a:spLocks noGrp="1"/>
-          </p:cNvSpPr>
-          <p:nvPr>
-            <p:ph idx="1"/>
-          </p:nvPr>
-        </p:nvSpPr>
-        <p:spPr/>
-        <p:txBody>
-          <a:bodyPr/>
-          <a:lstStyle/>
-          <a:p>
-            <a:r>
-              <a:rPr lang="en-US" dirty="0"/>
-              <a:t>Map is generated by two criteria: Adjacency and edge weight.</a:t>
-            </a:r>
-          </a:p>
-          <a:p>
-            <a:r>
-              <a:rPr lang="en-US" dirty="0"/>
-              <a:t>Adjacency is computed as:</a:t>
-            </a:r>
-          </a:p>
-          <a:p>
-            <a:pPr lvl="1"/>
-            <a:r>
-              <a:rPr lang="en-US" dirty="0"/>
-              <a:t>Manual</a:t>
-            </a:r>
-          </a:p>
-          <a:p>
-            <a:pPr lvl="1"/>
-            <a:r>
-              <a:rPr lang="en-US" dirty="0"/>
-              <a:t>Generative</a:t>
-            </a:r>
-          </a:p>
-          <a:p>
-            <a:pPr lvl="1"/>
-            <a:r>
-              <a:rPr lang="en-US" dirty="0"/>
-              <a:t>Linear Regression computing.</a:t>
-            </a:r>
-          </a:p>
-          <a:p>
-            <a:r>
-              <a:rPr lang="en-US" dirty="0"/>
-              <a:t>Edges weight are computed as:</a:t>
-            </a:r>
-          </a:p>
-          <a:p>
-            <a:pPr lvl="1"/>
-            <a:r>
-              <a:rPr lang="en-US" dirty="0"/>
-              <a:t>Geodesic </a:t>
-            </a:r>
-          </a:p>
-          <a:p>
-            <a:pPr lvl="1"/>
-            <a:r>
-              <a:rPr lang="en-US" dirty="0"/>
-              <a:t>Road distance.</a:t>
-            </a:r>
-          </a:p>
-        </p:txBody>
-      </p:sp>
-    </p:spTree>
-    <p:extLst>
-      <p:ext uri="{BB962C8B-B14F-4D97-AF65-F5344CB8AC3E}">
-        <p14:creationId xmlns:p14="http://schemas.microsoft.com/office/powerpoint/2010/main" val="3215753155"/>
       </p:ext>
     </p:extLst>
   </p:cSld>
